--- a/cw ismir2014/cw_ismir2014_plots.pptx
+++ b/cw ismir2014/cw_ismir2014_plots.pptx
@@ -8,6 +8,7 @@
     <p:sldId id="260" r:id="rId2"/>
     <p:sldId id="261" r:id="rId3"/>
     <p:sldId id="259" r:id="rId4"/>
+    <p:sldId id="262" r:id="rId5"/>
   </p:sldIdLst>
   <p:sldSz cx="9144000" cy="6858000" type="screen4x3"/>
   <p:notesSz cx="6858000" cy="9144000"/>
@@ -3859,6 +3860,56 @@
           <a:chExt cx="0" cy="0"/>
         </a:xfrm>
       </p:grpSpPr>
+      <p:sp>
+        <p:nvSpPr>
+          <p:cNvPr id="50" name="圓角矩形 49"/>
+          <p:cNvSpPr/>
+          <p:nvPr/>
+        </p:nvSpPr>
+        <p:spPr>
+          <a:xfrm>
+            <a:off x="1366682" y="588715"/>
+            <a:ext cx="2471072" cy="3953374"/>
+          </a:xfrm>
+          <a:prstGeom prst="roundRect">
+            <a:avLst/>
+          </a:prstGeom>
+          <a:solidFill>
+            <a:schemeClr val="bg1">
+              <a:lumMod val="85000"/>
+            </a:schemeClr>
+          </a:solidFill>
+          <a:ln>
+            <a:solidFill>
+              <a:schemeClr val="tx1"/>
+            </a:solidFill>
+            <a:prstDash val="dash"/>
+          </a:ln>
+          <a:effectLst/>
+        </p:spPr>
+        <p:style>
+          <a:lnRef idx="1">
+            <a:schemeClr val="accent1"/>
+          </a:lnRef>
+          <a:fillRef idx="3">
+            <a:schemeClr val="accent1"/>
+          </a:fillRef>
+          <a:effectRef idx="2">
+            <a:schemeClr val="accent1"/>
+          </a:effectRef>
+          <a:fontRef idx="minor">
+            <a:schemeClr val="lt1"/>
+          </a:fontRef>
+        </p:style>
+        <p:txBody>
+          <a:bodyPr rtlCol="0" anchor="ctr"/>
+          <a:lstStyle/>
+          <a:p>
+            <a:pPr algn="ctr"/>
+            <a:endParaRPr kumimoji="1" lang="zh-TW" altLang="en-US" dirty="0"/>
+          </a:p>
+        </p:txBody>
+      </p:sp>
       <p:cxnSp>
         <p:nvCxnSpPr>
           <p:cNvPr id="20" name="直線箭頭接點 19"/>
@@ -3867,7 +3918,7 @@
         </p:nvCxnSpPr>
         <p:spPr>
           <a:xfrm>
-            <a:off x="2075270" y="1173490"/>
+            <a:off x="2075270" y="1725730"/>
             <a:ext cx="1074" cy="179472"/>
           </a:xfrm>
           <a:prstGeom prst="straightConnector1">
@@ -3904,7 +3955,7 @@
         </p:nvSpPr>
         <p:spPr>
           <a:xfrm>
-            <a:off x="3941797" y="563952"/>
+            <a:off x="4240256" y="552527"/>
             <a:ext cx="857627" cy="584776"/>
           </a:xfrm>
           <a:prstGeom prst="rect">
@@ -3949,7 +4000,7 @@
         </p:nvSpPr>
         <p:spPr>
           <a:xfrm>
-            <a:off x="2874487" y="4662256"/>
+            <a:off x="2860682" y="4565614"/>
             <a:ext cx="2134619" cy="338554"/>
           </a:xfrm>
           <a:prstGeom prst="rect">
@@ -4030,7 +4081,7 @@
         </p:nvGrpSpPr>
         <p:grpSpPr>
           <a:xfrm>
-            <a:off x="1526783" y="3334325"/>
+            <a:off x="1512978" y="3168653"/>
             <a:ext cx="2175076" cy="450636"/>
             <a:chOff x="4555608" y="1573855"/>
             <a:chExt cx="2257354" cy="607452"/>
@@ -4126,10 +4177,10 @@
         </p:nvGrpSpPr>
         <p:grpSpPr>
           <a:xfrm>
-            <a:off x="1526783" y="1344597"/>
-            <a:ext cx="1090037" cy="318909"/>
-            <a:chOff x="4555608" y="1562462"/>
-            <a:chExt cx="1144631" cy="412235"/>
+            <a:off x="1526782" y="1871004"/>
+            <a:ext cx="2152675" cy="344744"/>
+            <a:chOff x="4555608" y="1529067"/>
+            <a:chExt cx="2260491" cy="445630"/>
           </a:xfrm>
         </p:grpSpPr>
         <p:sp>
@@ -4141,7 +4192,7 @@
           <p:spPr>
             <a:xfrm>
               <a:off x="4555608" y="1573855"/>
-              <a:ext cx="1144631" cy="400842"/>
+              <a:ext cx="2260491" cy="400842"/>
             </a:xfrm>
             <a:prstGeom prst="roundRect">
               <a:avLst/>
@@ -4185,7 +4236,7 @@
           </p:nvSpPr>
           <p:spPr>
             <a:xfrm>
-              <a:off x="4757152" y="1562462"/>
+              <a:off x="5229452" y="1529067"/>
               <a:ext cx="697527" cy="338553"/>
             </a:xfrm>
             <a:prstGeom prst="rect">
@@ -4222,7 +4273,7 @@
         </p:nvGrpSpPr>
         <p:grpSpPr>
           <a:xfrm>
-            <a:off x="1526782" y="1852736"/>
+            <a:off x="1526782" y="2391170"/>
             <a:ext cx="1096975" cy="607452"/>
             <a:chOff x="4555608" y="1573855"/>
             <a:chExt cx="1151917" cy="607452"/>
@@ -4327,7 +4378,7 @@
         </p:nvGrpSpPr>
         <p:grpSpPr>
           <a:xfrm>
-            <a:off x="1526784" y="3937361"/>
+            <a:off x="1512979" y="3771689"/>
             <a:ext cx="2175076" cy="380419"/>
             <a:chOff x="4555608" y="1573855"/>
             <a:chExt cx="1889077" cy="607452"/>
@@ -4423,8 +4474,8 @@
         </p:nvCxnSpPr>
         <p:spPr>
           <a:xfrm flipH="1">
-            <a:off x="2071802" y="2448064"/>
-            <a:ext cx="4542" cy="336378"/>
+            <a:off x="2071802" y="2972692"/>
+            <a:ext cx="4542" cy="216443"/>
           </a:xfrm>
           <a:prstGeom prst="straightConnector1">
             <a:avLst/>
@@ -4460,7 +4511,7 @@
         </p:nvGrpSpPr>
         <p:grpSpPr>
           <a:xfrm>
-            <a:off x="1535380" y="2772940"/>
+            <a:off x="1512978" y="1311996"/>
             <a:ext cx="2166480" cy="416185"/>
             <a:chOff x="4555608" y="1562462"/>
             <a:chExt cx="1144631" cy="412235"/>
@@ -4551,15 +4602,13 @@
       <p:cxnSp>
         <p:nvCxnSpPr>
           <p:cNvPr id="63" name="直線箭頭接點 62"/>
-          <p:cNvCxnSpPr>
-            <a:stCxn id="22" idx="2"/>
-          </p:cNvCxnSpPr>
+          <p:cNvCxnSpPr/>
           <p:nvPr/>
         </p:nvCxnSpPr>
         <p:spPr>
           <a:xfrm>
-            <a:off x="2071802" y="1663506"/>
-            <a:ext cx="0" cy="187006"/>
+            <a:off x="2071802" y="2215746"/>
+            <a:ext cx="2" cy="187006"/>
           </a:xfrm>
           <a:prstGeom prst="straightConnector1">
             <a:avLst/>
@@ -4598,7 +4647,7 @@
         </p:nvCxnSpPr>
         <p:spPr>
           <a:xfrm>
-            <a:off x="2614321" y="3784961"/>
+            <a:off x="2600516" y="3619289"/>
             <a:ext cx="1" cy="152400"/>
           </a:xfrm>
           <a:prstGeom prst="straightConnector1">
@@ -4638,18 +4687,19 @@
         </p:nvCxnSpPr>
         <p:spPr>
           <a:xfrm rot="16200000" flipH="1">
-            <a:off x="3105821" y="3826280"/>
-            <a:ext cx="344476" cy="1327475"/>
+            <a:off x="3057501" y="3695123"/>
+            <a:ext cx="413506" cy="1327475"/>
           </a:xfrm>
           <a:prstGeom prst="bentConnector3">
             <a:avLst>
-              <a:gd name="adj1" fmla="val 29961"/>
+              <a:gd name="adj1" fmla="val 50000"/>
             </a:avLst>
           </a:prstGeom>
           <a:ln>
             <a:solidFill>
               <a:schemeClr val="tx1"/>
             </a:solidFill>
+            <a:prstDash val="sysDash"/>
             <a:tailEnd type="arrow"/>
           </a:ln>
           <a:effectLst/>
@@ -4677,7 +4727,7 @@
         </p:nvGrpSpPr>
         <p:grpSpPr>
           <a:xfrm>
-            <a:off x="4160251" y="3298018"/>
+            <a:off x="4146446" y="3132346"/>
             <a:ext cx="2175076" cy="450636"/>
             <a:chOff x="4555608" y="1573855"/>
             <a:chExt cx="2257354" cy="607452"/>
@@ -4773,7 +4823,7 @@
         </p:nvGrpSpPr>
         <p:grpSpPr>
           <a:xfrm>
-            <a:off x="4160252" y="3901054"/>
+            <a:off x="4146447" y="3735382"/>
             <a:ext cx="2175076" cy="380419"/>
             <a:chOff x="4555608" y="1573855"/>
             <a:chExt cx="1889077" cy="607452"/>
@@ -4872,52 +4922,11 @@
         </p:nvCxnSpPr>
         <p:spPr>
           <a:xfrm>
-            <a:off x="5247789" y="3748654"/>
+            <a:off x="5233984" y="3582982"/>
             <a:ext cx="1" cy="152400"/>
           </a:xfrm>
           <a:prstGeom prst="straightConnector1">
             <a:avLst/>
-          </a:prstGeom>
-          <a:ln>
-            <a:solidFill>
-              <a:schemeClr val="tx1"/>
-            </a:solidFill>
-            <a:tailEnd type="arrow"/>
-          </a:ln>
-          <a:effectLst/>
-        </p:spPr>
-        <p:style>
-          <a:lnRef idx="2">
-            <a:schemeClr val="accent1"/>
-          </a:lnRef>
-          <a:fillRef idx="0">
-            <a:schemeClr val="accent1"/>
-          </a:fillRef>
-          <a:effectRef idx="1">
-            <a:schemeClr val="accent1"/>
-          </a:effectRef>
-          <a:fontRef idx="minor">
-            <a:schemeClr val="tx1"/>
-          </a:fontRef>
-        </p:style>
-      </p:cxnSp>
-      <p:cxnSp>
-        <p:nvCxnSpPr>
-          <p:cNvPr id="75" name="肘形接點 74"/>
-          <p:cNvCxnSpPr>
-            <a:stCxn id="23" idx="2"/>
-          </p:cNvCxnSpPr>
-          <p:nvPr/>
-        </p:nvCxnSpPr>
-        <p:spPr>
-          <a:xfrm rot="5400000">
-            <a:off x="2961911" y="1375742"/>
-            <a:ext cx="1635714" cy="1181686"/>
-          </a:xfrm>
-          <a:prstGeom prst="bentConnector3">
-            <a:avLst>
-              <a:gd name="adj1" fmla="val 65192"/>
-            </a:avLst>
           </a:prstGeom>
           <a:ln>
             <a:solidFill>
@@ -4953,12 +4962,12 @@
         </p:nvCxnSpPr>
         <p:spPr>
           <a:xfrm rot="5400000">
-            <a:off x="4404403" y="3818868"/>
-            <a:ext cx="380783" cy="1305993"/>
+            <a:off x="4356083" y="3687711"/>
+            <a:ext cx="449813" cy="1305993"/>
           </a:xfrm>
           <a:prstGeom prst="bentConnector3">
             <a:avLst>
-              <a:gd name="adj1" fmla="val 35498"/>
+              <a:gd name="adj1" fmla="val 53069"/>
             </a:avLst>
           </a:prstGeom>
           <a:ln>
@@ -4987,16 +4996,13 @@
       <p:cxnSp>
         <p:nvCxnSpPr>
           <p:cNvPr id="87" name="直線箭頭接點 86"/>
-          <p:cNvCxnSpPr>
-            <a:stCxn id="61" idx="2"/>
-            <a:endCxn id="2" idx="0"/>
-          </p:cNvCxnSpPr>
+          <p:cNvCxnSpPr/>
           <p:nvPr/>
         </p:nvCxnSpPr>
         <p:spPr>
-          <a:xfrm flipH="1">
-            <a:off x="2614321" y="3189125"/>
-            <a:ext cx="4299" cy="145200"/>
+          <a:xfrm>
+            <a:off x="3148412" y="2215746"/>
+            <a:ext cx="0" cy="916600"/>
           </a:xfrm>
           <a:prstGeom prst="straightConnector1">
             <a:avLst/>
@@ -5027,15 +5033,13 @@
       <p:cxnSp>
         <p:nvCxnSpPr>
           <p:cNvPr id="91" name="直線箭頭接點 90"/>
-          <p:cNvCxnSpPr>
-            <a:stCxn id="92" idx="2"/>
-          </p:cNvCxnSpPr>
+          <p:cNvCxnSpPr/>
           <p:nvPr/>
         </p:nvCxnSpPr>
         <p:spPr>
-          <a:xfrm flipH="1">
-            <a:off x="5708645" y="1137303"/>
-            <a:ext cx="5770" cy="215659"/>
+          <a:xfrm>
+            <a:off x="5714415" y="1151109"/>
+            <a:ext cx="0" cy="740735"/>
           </a:xfrm>
           <a:prstGeom prst="straightConnector1">
             <a:avLst/>
@@ -5116,10 +5120,10 @@
         </p:nvGrpSpPr>
         <p:grpSpPr>
           <a:xfrm>
-            <a:off x="5159084" y="1344597"/>
-            <a:ext cx="1090037" cy="318909"/>
-            <a:chOff x="4555608" y="1562462"/>
-            <a:chExt cx="1144631" cy="412235"/>
+            <a:off x="4155043" y="1878038"/>
+            <a:ext cx="2102675" cy="337708"/>
+            <a:chOff x="3492252" y="1538163"/>
+            <a:chExt cx="2207987" cy="436535"/>
           </a:xfrm>
         </p:grpSpPr>
         <p:sp>
@@ -5130,8 +5134,8 @@
           </p:nvSpPr>
           <p:spPr>
             <a:xfrm>
-              <a:off x="4555608" y="1573855"/>
-              <a:ext cx="1144631" cy="400842"/>
+              <a:off x="3492252" y="1573855"/>
+              <a:ext cx="2207987" cy="400843"/>
             </a:xfrm>
             <a:prstGeom prst="roundRect">
               <a:avLst/>
@@ -5175,7 +5179,7 @@
           </p:nvSpPr>
           <p:spPr>
             <a:xfrm>
-              <a:off x="4757152" y="1562462"/>
+              <a:off x="4177934" y="1538163"/>
               <a:ext cx="697527" cy="338553"/>
             </a:xfrm>
             <a:prstGeom prst="rect">
@@ -5212,7 +5216,7 @@
         </p:nvGrpSpPr>
         <p:grpSpPr>
           <a:xfrm>
-            <a:off x="5159083" y="1852736"/>
+            <a:off x="5159083" y="2371250"/>
             <a:ext cx="1096975" cy="607452"/>
             <a:chOff x="4555608" y="1573855"/>
             <a:chExt cx="1151917" cy="607452"/>
@@ -5312,13 +5316,15 @@
       <p:cxnSp>
         <p:nvCxnSpPr>
           <p:cNvPr id="99" name="直線箭頭接點 98"/>
-          <p:cNvCxnSpPr/>
+          <p:cNvCxnSpPr>
+            <a:stCxn id="97" idx="2"/>
+          </p:cNvCxnSpPr>
           <p:nvPr/>
         </p:nvCxnSpPr>
         <p:spPr>
-          <a:xfrm flipH="1">
-            <a:off x="5704103" y="2448064"/>
-            <a:ext cx="4542" cy="849954"/>
+          <a:xfrm>
+            <a:off x="5704102" y="2978702"/>
+            <a:ext cx="10313" cy="153644"/>
           </a:xfrm>
           <a:prstGeom prst="straightConnector1">
             <a:avLst/>
@@ -5349,15 +5355,13 @@
       <p:cxnSp>
         <p:nvCxnSpPr>
           <p:cNvPr id="100" name="直線箭頭接點 99"/>
-          <p:cNvCxnSpPr>
-            <a:stCxn id="94" idx="2"/>
-          </p:cNvCxnSpPr>
+          <p:cNvCxnSpPr/>
           <p:nvPr/>
         </p:nvCxnSpPr>
         <p:spPr>
           <a:xfrm>
-            <a:off x="5704103" y="1663506"/>
-            <a:ext cx="0" cy="187006"/>
+            <a:off x="4693656" y="2215748"/>
+            <a:ext cx="0" cy="945029"/>
           </a:xfrm>
           <a:prstGeom prst="straightConnector1">
             <a:avLst/>
@@ -5387,21 +5391,17 @@
       </p:cxnSp>
       <p:cxnSp>
         <p:nvCxnSpPr>
-          <p:cNvPr id="103" name="肘形接點 102"/>
-          <p:cNvCxnSpPr>
-            <a:stCxn id="23" idx="2"/>
-          </p:cNvCxnSpPr>
+          <p:cNvPr id="101" name="直線箭頭接點 100"/>
+          <p:cNvCxnSpPr/>
           <p:nvPr/>
         </p:nvCxnSpPr>
         <p:spPr>
-          <a:xfrm rot="16200000" flipH="1">
-            <a:off x="3510371" y="2008967"/>
-            <a:ext cx="2149292" cy="428813"/>
-          </a:xfrm>
-          <a:prstGeom prst="bentConnector3">
-            <a:avLst>
-              <a:gd name="adj1" fmla="val 50000"/>
-            </a:avLst>
+          <a:xfrm>
+            <a:off x="5714415" y="2200899"/>
+            <a:ext cx="0" cy="215659"/>
+          </a:xfrm>
+          <a:prstGeom prst="straightConnector1">
+            <a:avLst/>
           </a:prstGeom>
           <a:ln>
             <a:solidFill>
@@ -5426,52 +5426,157 @@
           </a:fontRef>
         </p:style>
       </p:cxnSp>
-      <p:sp>
-        <p:nvSpPr>
-          <p:cNvPr id="50" name="圓角矩形 49"/>
-          <p:cNvSpPr/>
-          <p:nvPr/>
-        </p:nvSpPr>
-        <p:spPr>
-          <a:xfrm>
-            <a:off x="1366682" y="588715"/>
-            <a:ext cx="2471072" cy="3953374"/>
-          </a:xfrm>
-          <a:prstGeom prst="roundRect">
+      <p:cxnSp>
+        <p:nvCxnSpPr>
+          <p:cNvPr id="102" name="直線箭頭接點 101"/>
+          <p:cNvCxnSpPr/>
+          <p:nvPr/>
+        </p:nvCxnSpPr>
+        <p:spPr>
+          <a:xfrm>
+            <a:off x="4693402" y="1137303"/>
+            <a:ext cx="0" cy="740735"/>
+          </a:xfrm>
+          <a:prstGeom prst="straightConnector1">
             <a:avLst/>
           </a:prstGeom>
-          <a:noFill/>
           <a:ln>
             <a:solidFill>
               <a:schemeClr val="tx1"/>
             </a:solidFill>
-            <a:prstDash val="dash"/>
+            <a:tailEnd type="arrow"/>
           </a:ln>
           <a:effectLst/>
         </p:spPr>
         <p:style>
-          <a:lnRef idx="1">
+          <a:lnRef idx="2">
             <a:schemeClr val="accent1"/>
           </a:lnRef>
-          <a:fillRef idx="3">
+          <a:fillRef idx="0">
             <a:schemeClr val="accent1"/>
           </a:fillRef>
-          <a:effectRef idx="2">
+          <a:effectRef idx="1">
             <a:schemeClr val="accent1"/>
           </a:effectRef>
           <a:fontRef idx="minor">
-            <a:schemeClr val="lt1"/>
+            <a:schemeClr val="tx1"/>
           </a:fontRef>
         </p:style>
-        <p:txBody>
-          <a:bodyPr rtlCol="0" anchor="ctr"/>
-          <a:lstStyle/>
-          <a:p>
-            <a:pPr algn="ctr"/>
-            <a:endParaRPr kumimoji="1" lang="zh-TW" altLang="en-US"/>
-          </a:p>
-        </p:txBody>
-      </p:sp>
+      </p:cxnSp>
+      <p:cxnSp>
+        <p:nvCxnSpPr>
+          <p:cNvPr id="104" name="直線箭頭接點 103"/>
+          <p:cNvCxnSpPr/>
+          <p:nvPr/>
+        </p:nvCxnSpPr>
+        <p:spPr>
+          <a:xfrm>
+            <a:off x="2075317" y="1144026"/>
+            <a:ext cx="1074" cy="179472"/>
+          </a:xfrm>
+          <a:prstGeom prst="straightConnector1">
+            <a:avLst/>
+          </a:prstGeom>
+          <a:ln>
+            <a:solidFill>
+              <a:schemeClr val="tx1"/>
+            </a:solidFill>
+            <a:tailEnd type="arrow"/>
+          </a:ln>
+          <a:effectLst/>
+        </p:spPr>
+        <p:style>
+          <a:lnRef idx="2">
+            <a:schemeClr val="accent1"/>
+          </a:lnRef>
+          <a:fillRef idx="0">
+            <a:schemeClr val="accent1"/>
+          </a:fillRef>
+          <a:effectRef idx="1">
+            <a:schemeClr val="accent1"/>
+          </a:effectRef>
+          <a:fontRef idx="minor">
+            <a:schemeClr val="tx1"/>
+          </a:fontRef>
+        </p:style>
+      </p:cxnSp>
+      <p:cxnSp>
+        <p:nvCxnSpPr>
+          <p:cNvPr id="85" name="直線接點 84"/>
+          <p:cNvCxnSpPr>
+            <a:endCxn id="23" idx="1"/>
+          </p:cNvCxnSpPr>
+          <p:nvPr/>
+        </p:nvCxnSpPr>
+        <p:spPr>
+          <a:xfrm>
+            <a:off x="3148412" y="844915"/>
+            <a:ext cx="1091844" cy="0"/>
+          </a:xfrm>
+          <a:prstGeom prst="line">
+            <a:avLst/>
+          </a:prstGeom>
+          <a:ln>
+            <a:solidFill>
+              <a:schemeClr val="tx1"/>
+            </a:solidFill>
+            <a:prstDash val="sysDash"/>
+          </a:ln>
+          <a:effectLst/>
+        </p:spPr>
+        <p:style>
+          <a:lnRef idx="2">
+            <a:schemeClr val="accent1"/>
+          </a:lnRef>
+          <a:fillRef idx="0">
+            <a:schemeClr val="accent1"/>
+          </a:fillRef>
+          <a:effectRef idx="1">
+            <a:schemeClr val="accent1"/>
+          </a:effectRef>
+          <a:fontRef idx="minor">
+            <a:schemeClr val="tx1"/>
+          </a:fontRef>
+        </p:style>
+      </p:cxnSp>
+      <p:cxnSp>
+        <p:nvCxnSpPr>
+          <p:cNvPr id="105" name="直線箭頭接點 104"/>
+          <p:cNvCxnSpPr/>
+          <p:nvPr/>
+        </p:nvCxnSpPr>
+        <p:spPr>
+          <a:xfrm>
+            <a:off x="3148412" y="844915"/>
+            <a:ext cx="0" cy="467081"/>
+          </a:xfrm>
+          <a:prstGeom prst="straightConnector1">
+            <a:avLst/>
+          </a:prstGeom>
+          <a:ln>
+            <a:solidFill>
+              <a:schemeClr val="tx1"/>
+            </a:solidFill>
+            <a:prstDash val="sysDash"/>
+            <a:tailEnd type="arrow"/>
+          </a:ln>
+          <a:effectLst/>
+        </p:spPr>
+        <p:style>
+          <a:lnRef idx="2">
+            <a:schemeClr val="accent1"/>
+          </a:lnRef>
+          <a:fillRef idx="0">
+            <a:schemeClr val="accent1"/>
+          </a:fillRef>
+          <a:effectRef idx="1">
+            <a:schemeClr val="accent1"/>
+          </a:effectRef>
+          <a:fontRef idx="minor">
+            <a:schemeClr val="tx1"/>
+          </a:fontRef>
+        </p:style>
+      </p:cxnSp>
     </p:spTree>
     <p:extLst>
       <p:ext uri="{BB962C8B-B14F-4D97-AF65-F5344CB8AC3E}">
@@ -6064,6 +6169,689 @@
     <p:extLst>
       <p:ext uri="{BB962C8B-B14F-4D97-AF65-F5344CB8AC3E}">
         <p14:creationId xmlns:p14="http://schemas.microsoft.com/office/powerpoint/2010/main" val="1139673491"/>
+      </p:ext>
+    </p:extLst>
+  </p:cSld>
+  <p:clrMapOvr>
+    <a:masterClrMapping/>
+  </p:clrMapOvr>
+</p:sld>
+</file>
+
+<file path=ppt/slides/slide4.xml><?xml version="1.0" encoding="utf-8"?>
+<p:sld xmlns:a="http://schemas.openxmlformats.org/drawingml/2006/main" xmlns:r="http://schemas.openxmlformats.org/officeDocument/2006/relationships" xmlns:p="http://schemas.openxmlformats.org/presentationml/2006/main">
+  <p:cSld>
+    <p:spTree>
+      <p:nvGrpSpPr>
+        <p:cNvPr id="1" name=""/>
+        <p:cNvGrpSpPr/>
+        <p:nvPr/>
+      </p:nvGrpSpPr>
+      <p:grpSpPr>
+        <a:xfrm>
+          <a:off x="0" y="0"/>
+          <a:ext cx="0" cy="0"/>
+          <a:chOff x="0" y="0"/>
+          <a:chExt cx="0" cy="0"/>
+        </a:xfrm>
+      </p:grpSpPr>
+      <p:sp>
+        <p:nvSpPr>
+          <p:cNvPr id="7" name="矩形 6"/>
+          <p:cNvSpPr/>
+          <p:nvPr/>
+        </p:nvSpPr>
+        <p:spPr>
+          <a:xfrm>
+            <a:off x="1546145" y="1642883"/>
+            <a:ext cx="1187219" cy="1118265"/>
+          </a:xfrm>
+          <a:prstGeom prst="rect">
+            <a:avLst/>
+          </a:prstGeom>
+          <a:noFill/>
+          <a:ln>
+            <a:solidFill>
+              <a:schemeClr val="tx1"/>
+            </a:solidFill>
+          </a:ln>
+          <a:effectLst/>
+        </p:spPr>
+        <p:style>
+          <a:lnRef idx="1">
+            <a:schemeClr val="accent1"/>
+          </a:lnRef>
+          <a:fillRef idx="3">
+            <a:schemeClr val="accent1"/>
+          </a:fillRef>
+          <a:effectRef idx="2">
+            <a:schemeClr val="accent1"/>
+          </a:effectRef>
+          <a:fontRef idx="minor">
+            <a:schemeClr val="lt1"/>
+          </a:fontRef>
+        </p:style>
+        <p:txBody>
+          <a:bodyPr rtlCol="0" anchor="ctr"/>
+          <a:lstStyle/>
+          <a:p>
+            <a:pPr algn="ctr"/>
+            <a:endParaRPr kumimoji="1" lang="zh-TW" altLang="en-US" i="1"/>
+          </a:p>
+        </p:txBody>
+      </p:sp>
+      <p:sp>
+        <p:nvSpPr>
+          <p:cNvPr id="8" name="文字方塊 7"/>
+          <p:cNvSpPr txBox="1"/>
+          <p:nvPr/>
+        </p:nvSpPr>
+        <p:spPr>
+          <a:xfrm>
+            <a:off x="1963561" y="1996642"/>
+            <a:ext cx="402749" cy="369332"/>
+          </a:xfrm>
+          <a:prstGeom prst="rect">
+            <a:avLst/>
+          </a:prstGeom>
+          <a:noFill/>
+        </p:spPr>
+        <p:txBody>
+          <a:bodyPr wrap="none" rtlCol="0">
+            <a:spAutoFit/>
+          </a:bodyPr>
+          <a:lstStyle/>
+          <a:p>
+            <a:r>
+              <a:rPr kumimoji="1" lang="en-US" altLang="zh-TW" i="1" dirty="0" smtClean="0">
+                <a:latin typeface="Arial"/>
+                <a:cs typeface="Arial"/>
+              </a:rPr>
+              <a:t>X</a:t>
+            </a:r>
+            <a:endParaRPr kumimoji="1" lang="zh-TW" altLang="en-US" i="1" dirty="0">
+              <a:latin typeface="Arial"/>
+              <a:cs typeface="Arial"/>
+            </a:endParaRPr>
+          </a:p>
+        </p:txBody>
+      </p:sp>
+      <p:sp>
+        <p:nvSpPr>
+          <p:cNvPr id="12" name="文字方塊 11"/>
+          <p:cNvSpPr txBox="1"/>
+          <p:nvPr/>
+        </p:nvSpPr>
+        <p:spPr>
+          <a:xfrm>
+            <a:off x="2816191" y="2010446"/>
+            <a:ext cx="366970" cy="369332"/>
+          </a:xfrm>
+          <a:prstGeom prst="rect">
+            <a:avLst/>
+          </a:prstGeom>
+          <a:noFill/>
+        </p:spPr>
+        <p:txBody>
+          <a:bodyPr wrap="none" rtlCol="0">
+            <a:spAutoFit/>
+          </a:bodyPr>
+          <a:lstStyle/>
+          <a:p>
+            <a:r>
+              <a:rPr kumimoji="1" lang="en-US" altLang="zh-TW" i="1" dirty="0" smtClean="0"/>
+              <a:t>=</a:t>
+            </a:r>
+            <a:endParaRPr kumimoji="1" lang="zh-TW" altLang="en-US" i="1" dirty="0"/>
+          </a:p>
+        </p:txBody>
+      </p:sp>
+      <p:sp>
+        <p:nvSpPr>
+          <p:cNvPr id="13" name="矩形 12"/>
+          <p:cNvSpPr/>
+          <p:nvPr/>
+        </p:nvSpPr>
+        <p:spPr>
+          <a:xfrm>
+            <a:off x="3189471" y="1643420"/>
+            <a:ext cx="513670" cy="1118265"/>
+          </a:xfrm>
+          <a:prstGeom prst="rect">
+            <a:avLst/>
+          </a:prstGeom>
+          <a:noFill/>
+          <a:ln>
+            <a:solidFill>
+              <a:schemeClr val="tx1"/>
+            </a:solidFill>
+          </a:ln>
+          <a:effectLst/>
+        </p:spPr>
+        <p:style>
+          <a:lnRef idx="1">
+            <a:schemeClr val="accent1"/>
+          </a:lnRef>
+          <a:fillRef idx="3">
+            <a:schemeClr val="accent1"/>
+          </a:fillRef>
+          <a:effectRef idx="2">
+            <a:schemeClr val="accent1"/>
+          </a:effectRef>
+          <a:fontRef idx="minor">
+            <a:schemeClr val="lt1"/>
+          </a:fontRef>
+        </p:style>
+        <p:txBody>
+          <a:bodyPr rtlCol="0" anchor="ctr"/>
+          <a:lstStyle/>
+          <a:p>
+            <a:pPr algn="ctr"/>
+            <a:endParaRPr kumimoji="1" lang="zh-TW" altLang="en-US" i="1"/>
+          </a:p>
+        </p:txBody>
+      </p:sp>
+      <p:sp>
+        <p:nvSpPr>
+          <p:cNvPr id="14" name="文字方塊 13"/>
+          <p:cNvSpPr txBox="1"/>
+          <p:nvPr/>
+        </p:nvSpPr>
+        <p:spPr>
+          <a:xfrm>
+            <a:off x="3189470" y="1996642"/>
+            <a:ext cx="559720" cy="369332"/>
+          </a:xfrm>
+          <a:prstGeom prst="rect">
+            <a:avLst/>
+          </a:prstGeom>
+          <a:noFill/>
+        </p:spPr>
+        <p:txBody>
+          <a:bodyPr wrap="none" rtlCol="0">
+            <a:spAutoFit/>
+          </a:bodyPr>
+          <a:lstStyle/>
+          <a:p>
+            <a:r>
+              <a:rPr kumimoji="1" lang="en-US" altLang="zh-TW" i="1" dirty="0" smtClean="0">
+                <a:latin typeface="Arial"/>
+                <a:cs typeface="Arial"/>
+              </a:rPr>
+              <a:t>W</a:t>
+            </a:r>
+            <a:r>
+              <a:rPr kumimoji="1" lang="en-US" altLang="zh-TW" i="1" baseline="-25000" dirty="0" smtClean="0">
+                <a:latin typeface="Arial"/>
+                <a:cs typeface="Arial"/>
+              </a:rPr>
+              <a:t>D</a:t>
+            </a:r>
+            <a:endParaRPr kumimoji="1" lang="zh-TW" altLang="en-US" i="1" baseline="-25000" dirty="0">
+              <a:latin typeface="Arial"/>
+              <a:cs typeface="Arial"/>
+            </a:endParaRPr>
+          </a:p>
+        </p:txBody>
+      </p:sp>
+      <p:sp>
+        <p:nvSpPr>
+          <p:cNvPr id="15" name="矩形 14"/>
+          <p:cNvSpPr/>
+          <p:nvPr/>
+        </p:nvSpPr>
+        <p:spPr>
+          <a:xfrm>
+            <a:off x="3703141" y="1643420"/>
+            <a:ext cx="513670" cy="1118265"/>
+          </a:xfrm>
+          <a:prstGeom prst="rect">
+            <a:avLst/>
+          </a:prstGeom>
+          <a:noFill/>
+          <a:ln>
+            <a:solidFill>
+              <a:schemeClr val="tx1"/>
+            </a:solidFill>
+          </a:ln>
+          <a:effectLst/>
+        </p:spPr>
+        <p:style>
+          <a:lnRef idx="1">
+            <a:schemeClr val="accent1"/>
+          </a:lnRef>
+          <a:fillRef idx="3">
+            <a:schemeClr val="accent1"/>
+          </a:fillRef>
+          <a:effectRef idx="2">
+            <a:schemeClr val="accent1"/>
+          </a:effectRef>
+          <a:fontRef idx="minor">
+            <a:schemeClr val="lt1"/>
+          </a:fontRef>
+        </p:style>
+        <p:txBody>
+          <a:bodyPr rtlCol="0" anchor="ctr"/>
+          <a:lstStyle/>
+          <a:p>
+            <a:pPr algn="ctr"/>
+            <a:endParaRPr kumimoji="1" lang="zh-TW" altLang="en-US" i="1"/>
+          </a:p>
+        </p:txBody>
+      </p:sp>
+      <p:sp>
+        <p:nvSpPr>
+          <p:cNvPr id="16" name="文字方塊 15"/>
+          <p:cNvSpPr txBox="1"/>
+          <p:nvPr/>
+        </p:nvSpPr>
+        <p:spPr>
+          <a:xfrm>
+            <a:off x="3703140" y="1996642"/>
+            <a:ext cx="559720" cy="369332"/>
+          </a:xfrm>
+          <a:prstGeom prst="rect">
+            <a:avLst/>
+          </a:prstGeom>
+          <a:noFill/>
+        </p:spPr>
+        <p:txBody>
+          <a:bodyPr wrap="none" rtlCol="0">
+            <a:spAutoFit/>
+          </a:bodyPr>
+          <a:lstStyle/>
+          <a:p>
+            <a:r>
+              <a:rPr kumimoji="1" lang="en-US" altLang="zh-TW" i="1" dirty="0" smtClean="0">
+                <a:latin typeface="Arial"/>
+                <a:cs typeface="Arial"/>
+              </a:rPr>
+              <a:t>W</a:t>
+            </a:r>
+            <a:r>
+              <a:rPr kumimoji="1" lang="en-US" altLang="zh-TW" i="1" baseline="-25000" dirty="0" smtClean="0">
+                <a:latin typeface="Arial"/>
+                <a:cs typeface="Arial"/>
+              </a:rPr>
+              <a:t>H</a:t>
+            </a:r>
+            <a:endParaRPr kumimoji="1" lang="zh-TW" altLang="en-US" i="1" baseline="-25000" dirty="0">
+              <a:latin typeface="Arial"/>
+              <a:cs typeface="Arial"/>
+            </a:endParaRPr>
+          </a:p>
+        </p:txBody>
+      </p:sp>
+      <p:sp>
+        <p:nvSpPr>
+          <p:cNvPr id="17" name="文字方塊 16"/>
+          <p:cNvSpPr txBox="1"/>
+          <p:nvPr/>
+        </p:nvSpPr>
+        <p:spPr>
+          <a:xfrm>
+            <a:off x="4321467" y="2010446"/>
+            <a:ext cx="287258" cy="369332"/>
+          </a:xfrm>
+          <a:prstGeom prst="rect">
+            <a:avLst/>
+          </a:prstGeom>
+          <a:noFill/>
+        </p:spPr>
+        <p:txBody>
+          <a:bodyPr wrap="none" rtlCol="0">
+            <a:spAutoFit/>
+          </a:bodyPr>
+          <a:lstStyle/>
+          <a:p>
+            <a:r>
+              <a:rPr kumimoji="1" lang="en-US" altLang="zh-TW" dirty="0"/>
+              <a:t>x</a:t>
+            </a:r>
+            <a:endParaRPr kumimoji="1" lang="zh-TW" altLang="en-US" dirty="0"/>
+          </a:p>
+        </p:txBody>
+      </p:sp>
+      <p:sp>
+        <p:nvSpPr>
+          <p:cNvPr id="18" name="矩形 17"/>
+          <p:cNvSpPr/>
+          <p:nvPr/>
+        </p:nvSpPr>
+        <p:spPr>
+          <a:xfrm>
+            <a:off x="4664188" y="1640535"/>
+            <a:ext cx="1255150" cy="353222"/>
+          </a:xfrm>
+          <a:prstGeom prst="rect">
+            <a:avLst/>
+          </a:prstGeom>
+          <a:noFill/>
+          <a:ln>
+            <a:solidFill>
+              <a:schemeClr val="tx1"/>
+            </a:solidFill>
+          </a:ln>
+          <a:effectLst/>
+        </p:spPr>
+        <p:style>
+          <a:lnRef idx="1">
+            <a:schemeClr val="accent1"/>
+          </a:lnRef>
+          <a:fillRef idx="3">
+            <a:schemeClr val="accent1"/>
+          </a:fillRef>
+          <a:effectRef idx="2">
+            <a:schemeClr val="accent1"/>
+          </a:effectRef>
+          <a:fontRef idx="minor">
+            <a:schemeClr val="lt1"/>
+          </a:fontRef>
+        </p:style>
+        <p:txBody>
+          <a:bodyPr rtlCol="0" anchor="ctr"/>
+          <a:lstStyle/>
+          <a:p>
+            <a:pPr algn="ctr"/>
+            <a:endParaRPr kumimoji="1" lang="zh-TW" altLang="en-US" i="1"/>
+          </a:p>
+        </p:txBody>
+      </p:sp>
+      <p:sp>
+        <p:nvSpPr>
+          <p:cNvPr id="19" name="文字方塊 18"/>
+          <p:cNvSpPr txBox="1"/>
+          <p:nvPr/>
+        </p:nvSpPr>
+        <p:spPr>
+          <a:xfrm>
+            <a:off x="5012260" y="1624425"/>
+            <a:ext cx="508549" cy="369332"/>
+          </a:xfrm>
+          <a:prstGeom prst="rect">
+            <a:avLst/>
+          </a:prstGeom>
+          <a:noFill/>
+        </p:spPr>
+        <p:txBody>
+          <a:bodyPr wrap="none" rtlCol="0">
+            <a:spAutoFit/>
+          </a:bodyPr>
+          <a:lstStyle/>
+          <a:p>
+            <a:r>
+              <a:rPr kumimoji="1" lang="en-US" altLang="zh-TW" i="1" dirty="0" smtClean="0">
+                <a:latin typeface="Arial"/>
+                <a:cs typeface="Arial"/>
+              </a:rPr>
+              <a:t>H</a:t>
+            </a:r>
+            <a:r>
+              <a:rPr kumimoji="1" lang="en-US" altLang="zh-TW" i="1" baseline="-25000" dirty="0" smtClean="0">
+                <a:latin typeface="Arial"/>
+                <a:cs typeface="Arial"/>
+              </a:rPr>
+              <a:t>D</a:t>
+            </a:r>
+            <a:endParaRPr kumimoji="1" lang="zh-TW" altLang="en-US" i="1" baseline="-25000" dirty="0">
+              <a:latin typeface="Arial"/>
+              <a:cs typeface="Arial"/>
+            </a:endParaRPr>
+          </a:p>
+        </p:txBody>
+      </p:sp>
+      <p:sp>
+        <p:nvSpPr>
+          <p:cNvPr id="22" name="矩形 21"/>
+          <p:cNvSpPr/>
+          <p:nvPr/>
+        </p:nvSpPr>
+        <p:spPr>
+          <a:xfrm>
+            <a:off x="4664188" y="1988523"/>
+            <a:ext cx="1255150" cy="353222"/>
+          </a:xfrm>
+          <a:prstGeom prst="rect">
+            <a:avLst/>
+          </a:prstGeom>
+          <a:noFill/>
+          <a:ln>
+            <a:solidFill>
+              <a:schemeClr val="tx1"/>
+            </a:solidFill>
+          </a:ln>
+          <a:effectLst/>
+        </p:spPr>
+        <p:style>
+          <a:lnRef idx="1">
+            <a:schemeClr val="accent1"/>
+          </a:lnRef>
+          <a:fillRef idx="3">
+            <a:schemeClr val="accent1"/>
+          </a:fillRef>
+          <a:effectRef idx="2">
+            <a:schemeClr val="accent1"/>
+          </a:effectRef>
+          <a:fontRef idx="minor">
+            <a:schemeClr val="lt1"/>
+          </a:fontRef>
+        </p:style>
+        <p:txBody>
+          <a:bodyPr rtlCol="0" anchor="ctr"/>
+          <a:lstStyle/>
+          <a:p>
+            <a:pPr algn="ctr"/>
+            <a:endParaRPr kumimoji="1" lang="zh-TW" altLang="en-US" i="1"/>
+          </a:p>
+        </p:txBody>
+      </p:sp>
+      <p:sp>
+        <p:nvSpPr>
+          <p:cNvPr id="23" name="文字方塊 22"/>
+          <p:cNvSpPr txBox="1"/>
+          <p:nvPr/>
+        </p:nvSpPr>
+        <p:spPr>
+          <a:xfrm>
+            <a:off x="5012260" y="1972413"/>
+            <a:ext cx="508549" cy="369332"/>
+          </a:xfrm>
+          <a:prstGeom prst="rect">
+            <a:avLst/>
+          </a:prstGeom>
+          <a:noFill/>
+        </p:spPr>
+        <p:txBody>
+          <a:bodyPr wrap="none" rtlCol="0">
+            <a:spAutoFit/>
+          </a:bodyPr>
+          <a:lstStyle/>
+          <a:p>
+            <a:r>
+              <a:rPr kumimoji="1" lang="en-US" altLang="zh-TW" i="1" dirty="0" smtClean="0">
+                <a:latin typeface="Arial"/>
+                <a:cs typeface="Arial"/>
+              </a:rPr>
+              <a:t>H</a:t>
+            </a:r>
+            <a:r>
+              <a:rPr kumimoji="1" lang="en-US" altLang="zh-TW" i="1" baseline="-25000" dirty="0" smtClean="0">
+                <a:latin typeface="Arial"/>
+                <a:cs typeface="Arial"/>
+              </a:rPr>
+              <a:t>H</a:t>
+            </a:r>
+            <a:endParaRPr kumimoji="1" lang="zh-TW" altLang="en-US" i="1" baseline="-25000" dirty="0">
+              <a:latin typeface="Arial"/>
+              <a:cs typeface="Arial"/>
+            </a:endParaRPr>
+          </a:p>
+        </p:txBody>
+      </p:sp>
+      <p:sp>
+        <p:nvSpPr>
+          <p:cNvPr id="25" name="左大括弧 24"/>
+          <p:cNvSpPr/>
+          <p:nvPr/>
+        </p:nvSpPr>
+        <p:spPr>
+          <a:xfrm rot="5400000">
+            <a:off x="3578240" y="913188"/>
+            <a:ext cx="249802" cy="961089"/>
+          </a:xfrm>
+          <a:prstGeom prst="leftBrace">
+            <a:avLst/>
+          </a:prstGeom>
+          <a:ln>
+            <a:solidFill>
+              <a:schemeClr val="tx1"/>
+            </a:solidFill>
+          </a:ln>
+          <a:effectLst/>
+        </p:spPr>
+        <p:style>
+          <a:lnRef idx="2">
+            <a:schemeClr val="accent1"/>
+          </a:lnRef>
+          <a:fillRef idx="0">
+            <a:schemeClr val="accent1"/>
+          </a:fillRef>
+          <a:effectRef idx="1">
+            <a:schemeClr val="accent1"/>
+          </a:effectRef>
+          <a:fontRef idx="minor">
+            <a:schemeClr val="tx1"/>
+          </a:fontRef>
+        </p:style>
+        <p:txBody>
+          <a:bodyPr rtlCol="0" anchor="ctr"/>
+          <a:lstStyle/>
+          <a:p>
+            <a:pPr algn="ctr"/>
+            <a:endParaRPr kumimoji="1" lang="zh-TW" altLang="en-US"/>
+          </a:p>
+        </p:txBody>
+      </p:sp>
+      <p:sp>
+        <p:nvSpPr>
+          <p:cNvPr id="26" name="左大括弧 25"/>
+          <p:cNvSpPr/>
+          <p:nvPr/>
+        </p:nvSpPr>
+        <p:spPr>
+          <a:xfrm rot="5400000">
+            <a:off x="5146151" y="786869"/>
+            <a:ext cx="291226" cy="1255148"/>
+          </a:xfrm>
+          <a:prstGeom prst="leftBrace">
+            <a:avLst/>
+          </a:prstGeom>
+          <a:ln>
+            <a:solidFill>
+              <a:schemeClr val="tx1"/>
+            </a:solidFill>
+          </a:ln>
+          <a:effectLst/>
+        </p:spPr>
+        <p:style>
+          <a:lnRef idx="2">
+            <a:schemeClr val="accent1"/>
+          </a:lnRef>
+          <a:fillRef idx="0">
+            <a:schemeClr val="accent1"/>
+          </a:fillRef>
+          <a:effectRef idx="1">
+            <a:schemeClr val="accent1"/>
+          </a:effectRef>
+          <a:fontRef idx="minor">
+            <a:schemeClr val="tx1"/>
+          </a:fontRef>
+        </p:style>
+        <p:txBody>
+          <a:bodyPr rtlCol="0" anchor="ctr"/>
+          <a:lstStyle/>
+          <a:p>
+            <a:pPr algn="ctr"/>
+            <a:endParaRPr kumimoji="1" lang="zh-TW" altLang="en-US"/>
+          </a:p>
+        </p:txBody>
+      </p:sp>
+      <p:sp>
+        <p:nvSpPr>
+          <p:cNvPr id="27" name="文字方塊 26"/>
+          <p:cNvSpPr txBox="1"/>
+          <p:nvPr/>
+        </p:nvSpPr>
+        <p:spPr>
+          <a:xfrm>
+            <a:off x="3469330" y="935087"/>
+            <a:ext cx="452027" cy="369332"/>
+          </a:xfrm>
+          <a:prstGeom prst="rect">
+            <a:avLst/>
+          </a:prstGeom>
+          <a:noFill/>
+        </p:spPr>
+        <p:txBody>
+          <a:bodyPr wrap="none" rtlCol="0">
+            <a:spAutoFit/>
+          </a:bodyPr>
+          <a:lstStyle/>
+          <a:p>
+            <a:r>
+              <a:rPr kumimoji="1" lang="en-US" altLang="zh-TW" i="1" dirty="0" smtClean="0">
+                <a:latin typeface="Arial"/>
+                <a:cs typeface="Arial"/>
+              </a:rPr>
+              <a:t>W</a:t>
+            </a:r>
+            <a:endParaRPr kumimoji="1" lang="zh-TW" altLang="en-US" i="1" baseline="-25000" dirty="0">
+              <a:latin typeface="Arial"/>
+              <a:cs typeface="Arial"/>
+            </a:endParaRPr>
+          </a:p>
+        </p:txBody>
+      </p:sp>
+      <p:sp>
+        <p:nvSpPr>
+          <p:cNvPr id="28" name="文字方塊 27"/>
+          <p:cNvSpPr txBox="1"/>
+          <p:nvPr/>
+        </p:nvSpPr>
+        <p:spPr>
+          <a:xfrm>
+            <a:off x="5111653" y="945540"/>
+            <a:ext cx="396444" cy="369332"/>
+          </a:xfrm>
+          <a:prstGeom prst="rect">
+            <a:avLst/>
+          </a:prstGeom>
+          <a:noFill/>
+        </p:spPr>
+        <p:txBody>
+          <a:bodyPr wrap="none" rtlCol="0">
+            <a:spAutoFit/>
+          </a:bodyPr>
+          <a:lstStyle/>
+          <a:p>
+            <a:r>
+              <a:rPr kumimoji="1" lang="en-US" altLang="zh-TW" i="1" dirty="0" smtClean="0">
+                <a:latin typeface="Arial"/>
+                <a:cs typeface="Arial"/>
+              </a:rPr>
+              <a:t>H</a:t>
+            </a:r>
+            <a:endParaRPr kumimoji="1" lang="zh-TW" altLang="en-US" i="1" baseline="-25000" dirty="0">
+              <a:latin typeface="Arial"/>
+              <a:cs typeface="Arial"/>
+            </a:endParaRPr>
+          </a:p>
+        </p:txBody>
+      </p:sp>
+    </p:spTree>
+    <p:extLst>
+      <p:ext uri="{BB962C8B-B14F-4D97-AF65-F5344CB8AC3E}">
+        <p14:creationId xmlns:p14="http://schemas.microsoft.com/office/powerpoint/2010/main" val="2628635086"/>
       </p:ext>
     </p:extLst>
   </p:cSld>

--- a/cw ismir2014/cw_ismir2014_plots.pptx
+++ b/cw ismir2014/cw_ismir2014_plots.pptx
@@ -295,7 +295,7 @@
           <a:p>
             <a:fld id="{8A0EEBEE-491D-0547-AD30-3CFBCD2A91CE}" type="datetimeFigureOut">
               <a:rPr kumimoji="1" lang="zh-TW" altLang="en-US" smtClean="0"/>
-              <a:t>4/23/14</a:t>
+              <a:t>4/25/14</a:t>
             </a:fld>
             <a:endParaRPr kumimoji="1" lang="zh-TW" altLang="en-US"/>
           </a:p>
@@ -465,7 +465,7 @@
           <a:p>
             <a:fld id="{8A0EEBEE-491D-0547-AD30-3CFBCD2A91CE}" type="datetimeFigureOut">
               <a:rPr kumimoji="1" lang="zh-TW" altLang="en-US" smtClean="0"/>
-              <a:t>4/23/14</a:t>
+              <a:t>4/25/14</a:t>
             </a:fld>
             <a:endParaRPr kumimoji="1" lang="zh-TW" altLang="en-US"/>
           </a:p>
@@ -645,7 +645,7 @@
           <a:p>
             <a:fld id="{8A0EEBEE-491D-0547-AD30-3CFBCD2A91CE}" type="datetimeFigureOut">
               <a:rPr kumimoji="1" lang="zh-TW" altLang="en-US" smtClean="0"/>
-              <a:t>4/23/14</a:t>
+              <a:t>4/25/14</a:t>
             </a:fld>
             <a:endParaRPr kumimoji="1" lang="zh-TW" altLang="en-US"/>
           </a:p>
@@ -815,7 +815,7 @@
           <a:p>
             <a:fld id="{8A0EEBEE-491D-0547-AD30-3CFBCD2A91CE}" type="datetimeFigureOut">
               <a:rPr kumimoji="1" lang="zh-TW" altLang="en-US" smtClean="0"/>
-              <a:t>4/23/14</a:t>
+              <a:t>4/25/14</a:t>
             </a:fld>
             <a:endParaRPr kumimoji="1" lang="zh-TW" altLang="en-US"/>
           </a:p>
@@ -1061,7 +1061,7 @@
           <a:p>
             <a:fld id="{8A0EEBEE-491D-0547-AD30-3CFBCD2A91CE}" type="datetimeFigureOut">
               <a:rPr kumimoji="1" lang="zh-TW" altLang="en-US" smtClean="0"/>
-              <a:t>4/23/14</a:t>
+              <a:t>4/25/14</a:t>
             </a:fld>
             <a:endParaRPr kumimoji="1" lang="zh-TW" altLang="en-US"/>
           </a:p>
@@ -1349,7 +1349,7 @@
           <a:p>
             <a:fld id="{8A0EEBEE-491D-0547-AD30-3CFBCD2A91CE}" type="datetimeFigureOut">
               <a:rPr kumimoji="1" lang="zh-TW" altLang="en-US" smtClean="0"/>
-              <a:t>4/23/14</a:t>
+              <a:t>4/25/14</a:t>
             </a:fld>
             <a:endParaRPr kumimoji="1" lang="zh-TW" altLang="en-US"/>
           </a:p>
@@ -1771,7 +1771,7 @@
           <a:p>
             <a:fld id="{8A0EEBEE-491D-0547-AD30-3CFBCD2A91CE}" type="datetimeFigureOut">
               <a:rPr kumimoji="1" lang="zh-TW" altLang="en-US" smtClean="0"/>
-              <a:t>4/23/14</a:t>
+              <a:t>4/25/14</a:t>
             </a:fld>
             <a:endParaRPr kumimoji="1" lang="zh-TW" altLang="en-US"/>
           </a:p>
@@ -1889,7 +1889,7 @@
           <a:p>
             <a:fld id="{8A0EEBEE-491D-0547-AD30-3CFBCD2A91CE}" type="datetimeFigureOut">
               <a:rPr kumimoji="1" lang="zh-TW" altLang="en-US" smtClean="0"/>
-              <a:t>4/23/14</a:t>
+              <a:t>4/25/14</a:t>
             </a:fld>
             <a:endParaRPr kumimoji="1" lang="zh-TW" altLang="en-US"/>
           </a:p>
@@ -1984,7 +1984,7 @@
           <a:p>
             <a:fld id="{8A0EEBEE-491D-0547-AD30-3CFBCD2A91CE}" type="datetimeFigureOut">
               <a:rPr kumimoji="1" lang="zh-TW" altLang="en-US" smtClean="0"/>
-              <a:t>4/23/14</a:t>
+              <a:t>4/25/14</a:t>
             </a:fld>
             <a:endParaRPr kumimoji="1" lang="zh-TW" altLang="en-US"/>
           </a:p>
@@ -2261,7 +2261,7 @@
           <a:p>
             <a:fld id="{8A0EEBEE-491D-0547-AD30-3CFBCD2A91CE}" type="datetimeFigureOut">
               <a:rPr kumimoji="1" lang="zh-TW" altLang="en-US" smtClean="0"/>
-              <a:t>4/23/14</a:t>
+              <a:t>4/25/14</a:t>
             </a:fld>
             <a:endParaRPr kumimoji="1" lang="zh-TW" altLang="en-US"/>
           </a:p>
@@ -2514,7 +2514,7 @@
           <a:p>
             <a:fld id="{8A0EEBEE-491D-0547-AD30-3CFBCD2A91CE}" type="datetimeFigureOut">
               <a:rPr kumimoji="1" lang="zh-TW" altLang="en-US" smtClean="0"/>
-              <a:t>4/23/14</a:t>
+              <a:t>4/25/14</a:t>
             </a:fld>
             <a:endParaRPr kumimoji="1" lang="zh-TW" altLang="en-US"/>
           </a:p>
@@ -2727,7 +2727,7 @@
           <a:p>
             <a:fld id="{8A0EEBEE-491D-0547-AD30-3CFBCD2A91CE}" type="datetimeFigureOut">
               <a:rPr kumimoji="1" lang="zh-TW" altLang="en-US" smtClean="0"/>
-              <a:t>4/23/14</a:t>
+              <a:t>4/25/14</a:t>
             </a:fld>
             <a:endParaRPr kumimoji="1" lang="zh-TW" altLang="en-US"/>
           </a:p>
@@ -6249,7 +6249,7 @@
         <p:spPr>
           <a:xfrm>
             <a:off x="1963561" y="1996642"/>
-            <a:ext cx="402749" cy="369332"/>
+            <a:ext cx="400806" cy="369332"/>
           </a:xfrm>
           <a:prstGeom prst="rect">
             <a:avLst/>
@@ -6263,11 +6263,11 @@
           <a:lstStyle/>
           <a:p>
             <a:r>
-              <a:rPr kumimoji="1" lang="en-US" altLang="zh-TW" i="1" dirty="0" smtClean="0">
+              <a:rPr kumimoji="1" lang="en-US" altLang="zh-TW" i="1" dirty="0">
                 <a:latin typeface="Arial"/>
                 <a:cs typeface="Arial"/>
               </a:rPr>
-              <a:t>X</a:t>
+              <a:t>V</a:t>
             </a:r>
             <a:endParaRPr kumimoji="1" lang="zh-TW" altLang="en-US" i="1" dirty="0">
               <a:latin typeface="Arial"/>

--- a/cw ismir2014/cw_ismir2014_plots.pptx
+++ b/cw ismir2014/cw_ismir2014_plots.pptx
@@ -295,7 +295,7 @@
           <a:p>
             <a:fld id="{8A0EEBEE-491D-0547-AD30-3CFBCD2A91CE}" type="datetimeFigureOut">
               <a:rPr kumimoji="1" lang="zh-TW" altLang="en-US" smtClean="0"/>
-              <a:t>4/25/14</a:t>
+              <a:t>9/26/14</a:t>
             </a:fld>
             <a:endParaRPr kumimoji="1" lang="zh-TW" altLang="en-US"/>
           </a:p>
@@ -465,7 +465,7 @@
           <a:p>
             <a:fld id="{8A0EEBEE-491D-0547-AD30-3CFBCD2A91CE}" type="datetimeFigureOut">
               <a:rPr kumimoji="1" lang="zh-TW" altLang="en-US" smtClean="0"/>
-              <a:t>4/25/14</a:t>
+              <a:t>9/26/14</a:t>
             </a:fld>
             <a:endParaRPr kumimoji="1" lang="zh-TW" altLang="en-US"/>
           </a:p>
@@ -645,7 +645,7 @@
           <a:p>
             <a:fld id="{8A0EEBEE-491D-0547-AD30-3CFBCD2A91CE}" type="datetimeFigureOut">
               <a:rPr kumimoji="1" lang="zh-TW" altLang="en-US" smtClean="0"/>
-              <a:t>4/25/14</a:t>
+              <a:t>9/26/14</a:t>
             </a:fld>
             <a:endParaRPr kumimoji="1" lang="zh-TW" altLang="en-US"/>
           </a:p>
@@ -815,7 +815,7 @@
           <a:p>
             <a:fld id="{8A0EEBEE-491D-0547-AD30-3CFBCD2A91CE}" type="datetimeFigureOut">
               <a:rPr kumimoji="1" lang="zh-TW" altLang="en-US" smtClean="0"/>
-              <a:t>4/25/14</a:t>
+              <a:t>9/26/14</a:t>
             </a:fld>
             <a:endParaRPr kumimoji="1" lang="zh-TW" altLang="en-US"/>
           </a:p>
@@ -1061,7 +1061,7 @@
           <a:p>
             <a:fld id="{8A0EEBEE-491D-0547-AD30-3CFBCD2A91CE}" type="datetimeFigureOut">
               <a:rPr kumimoji="1" lang="zh-TW" altLang="en-US" smtClean="0"/>
-              <a:t>4/25/14</a:t>
+              <a:t>9/26/14</a:t>
             </a:fld>
             <a:endParaRPr kumimoji="1" lang="zh-TW" altLang="en-US"/>
           </a:p>
@@ -1349,7 +1349,7 @@
           <a:p>
             <a:fld id="{8A0EEBEE-491D-0547-AD30-3CFBCD2A91CE}" type="datetimeFigureOut">
               <a:rPr kumimoji="1" lang="zh-TW" altLang="en-US" smtClean="0"/>
-              <a:t>4/25/14</a:t>
+              <a:t>9/26/14</a:t>
             </a:fld>
             <a:endParaRPr kumimoji="1" lang="zh-TW" altLang="en-US"/>
           </a:p>
@@ -1771,7 +1771,7 @@
           <a:p>
             <a:fld id="{8A0EEBEE-491D-0547-AD30-3CFBCD2A91CE}" type="datetimeFigureOut">
               <a:rPr kumimoji="1" lang="zh-TW" altLang="en-US" smtClean="0"/>
-              <a:t>4/25/14</a:t>
+              <a:t>9/26/14</a:t>
             </a:fld>
             <a:endParaRPr kumimoji="1" lang="zh-TW" altLang="en-US"/>
           </a:p>
@@ -1889,7 +1889,7 @@
           <a:p>
             <a:fld id="{8A0EEBEE-491D-0547-AD30-3CFBCD2A91CE}" type="datetimeFigureOut">
               <a:rPr kumimoji="1" lang="zh-TW" altLang="en-US" smtClean="0"/>
-              <a:t>4/25/14</a:t>
+              <a:t>9/26/14</a:t>
             </a:fld>
             <a:endParaRPr kumimoji="1" lang="zh-TW" altLang="en-US"/>
           </a:p>
@@ -1984,7 +1984,7 @@
           <a:p>
             <a:fld id="{8A0EEBEE-491D-0547-AD30-3CFBCD2A91CE}" type="datetimeFigureOut">
               <a:rPr kumimoji="1" lang="zh-TW" altLang="en-US" smtClean="0"/>
-              <a:t>4/25/14</a:t>
+              <a:t>9/26/14</a:t>
             </a:fld>
             <a:endParaRPr kumimoji="1" lang="zh-TW" altLang="en-US"/>
           </a:p>
@@ -2261,7 +2261,7 @@
           <a:p>
             <a:fld id="{8A0EEBEE-491D-0547-AD30-3CFBCD2A91CE}" type="datetimeFigureOut">
               <a:rPr kumimoji="1" lang="zh-TW" altLang="en-US" smtClean="0"/>
-              <a:t>4/25/14</a:t>
+              <a:t>9/26/14</a:t>
             </a:fld>
             <a:endParaRPr kumimoji="1" lang="zh-TW" altLang="en-US"/>
           </a:p>
@@ -2514,7 +2514,7 @@
           <a:p>
             <a:fld id="{8A0EEBEE-491D-0547-AD30-3CFBCD2A91CE}" type="datetimeFigureOut">
               <a:rPr kumimoji="1" lang="zh-TW" altLang="en-US" smtClean="0"/>
-              <a:t>4/25/14</a:t>
+              <a:t>9/26/14</a:t>
             </a:fld>
             <a:endParaRPr kumimoji="1" lang="zh-TW" altLang="en-US"/>
           </a:p>
@@ -2727,7 +2727,7 @@
           <a:p>
             <a:fld id="{8A0EEBEE-491D-0547-AD30-3CFBCD2A91CE}" type="datetimeFigureOut">
               <a:rPr kumimoji="1" lang="zh-TW" altLang="en-US" smtClean="0"/>
-              <a:t>4/25/14</a:t>
+              <a:t>9/26/14</a:t>
             </a:fld>
             <a:endParaRPr kumimoji="1" lang="zh-TW" altLang="en-US"/>
           </a:p>
@@ -3862,100 +3862,13 @@
       </p:grpSpPr>
       <p:sp>
         <p:nvSpPr>
-          <p:cNvPr id="50" name="圓角矩形 49"/>
-          <p:cNvSpPr/>
-          <p:nvPr/>
-        </p:nvSpPr>
-        <p:spPr>
-          <a:xfrm>
-            <a:off x="1366682" y="588715"/>
-            <a:ext cx="2471072" cy="3953374"/>
-          </a:xfrm>
-          <a:prstGeom prst="roundRect">
-            <a:avLst/>
-          </a:prstGeom>
-          <a:solidFill>
-            <a:schemeClr val="bg1">
-              <a:lumMod val="85000"/>
-            </a:schemeClr>
-          </a:solidFill>
-          <a:ln>
-            <a:solidFill>
-              <a:schemeClr val="tx1"/>
-            </a:solidFill>
-            <a:prstDash val="dash"/>
-          </a:ln>
-          <a:effectLst/>
-        </p:spPr>
-        <p:style>
-          <a:lnRef idx="1">
-            <a:schemeClr val="accent1"/>
-          </a:lnRef>
-          <a:fillRef idx="3">
-            <a:schemeClr val="accent1"/>
-          </a:fillRef>
-          <a:effectRef idx="2">
-            <a:schemeClr val="accent1"/>
-          </a:effectRef>
-          <a:fontRef idx="minor">
-            <a:schemeClr val="lt1"/>
-          </a:fontRef>
-        </p:style>
-        <p:txBody>
-          <a:bodyPr rtlCol="0" anchor="ctr"/>
-          <a:lstStyle/>
-          <a:p>
-            <a:pPr algn="ctr"/>
-            <a:endParaRPr kumimoji="1" lang="zh-TW" altLang="en-US" dirty="0"/>
-          </a:p>
-        </p:txBody>
-      </p:sp>
-      <p:cxnSp>
-        <p:nvCxnSpPr>
-          <p:cNvPr id="20" name="直線箭頭接點 19"/>
-          <p:cNvCxnSpPr/>
-          <p:nvPr/>
-        </p:nvCxnSpPr>
-        <p:spPr>
-          <a:xfrm>
-            <a:off x="2075270" y="1725730"/>
-            <a:ext cx="1074" cy="179472"/>
-          </a:xfrm>
-          <a:prstGeom prst="straightConnector1">
-            <a:avLst/>
-          </a:prstGeom>
-          <a:ln>
-            <a:solidFill>
-              <a:schemeClr val="tx1"/>
-            </a:solidFill>
-            <a:tailEnd type="arrow"/>
-          </a:ln>
-          <a:effectLst/>
-        </p:spPr>
-        <p:style>
-          <a:lnRef idx="2">
-            <a:schemeClr val="accent1"/>
-          </a:lnRef>
-          <a:fillRef idx="0">
-            <a:schemeClr val="accent1"/>
-          </a:fillRef>
-          <a:effectRef idx="1">
-            <a:schemeClr val="accent1"/>
-          </a:effectRef>
-          <a:fontRef idx="minor">
-            <a:schemeClr val="tx1"/>
-          </a:fontRef>
-        </p:style>
-      </p:cxnSp>
-      <p:sp>
-        <p:nvSpPr>
           <p:cNvPr id="23" name="文字方塊 22"/>
           <p:cNvSpPr txBox="1"/>
           <p:nvPr/>
         </p:nvSpPr>
         <p:spPr>
           <a:xfrm>
-            <a:off x="4240256" y="552527"/>
+            <a:off x="983498" y="1275185"/>
             <a:ext cx="857627" cy="584776"/>
           </a:xfrm>
           <a:prstGeom prst="rect">
@@ -4000,8 +3913,8 @@
         </p:nvSpPr>
         <p:spPr>
           <a:xfrm>
-            <a:off x="2860682" y="4565614"/>
-            <a:ext cx="2134619" cy="338554"/>
+            <a:off x="7162017" y="947738"/>
+            <a:ext cx="1551702" cy="584776"/>
           </a:xfrm>
           <a:prstGeom prst="rect">
             <a:avLst/>
@@ -4009,7 +3922,7 @@
           <a:noFill/>
         </p:spPr>
         <p:txBody>
-          <a:bodyPr wrap="none" rtlCol="0">
+          <a:bodyPr wrap="square" rtlCol="0">
             <a:spAutoFit/>
           </a:bodyPr>
           <a:lstStyle/>
@@ -4028,697 +3941,6 @@
           </a:p>
         </p:txBody>
       </p:sp>
-      <p:sp>
-        <p:nvSpPr>
-          <p:cNvPr id="15" name="文字方塊 14"/>
-          <p:cNvSpPr txBox="1"/>
-          <p:nvPr/>
-        </p:nvSpPr>
-        <p:spPr>
-          <a:xfrm>
-            <a:off x="1642988" y="588714"/>
-            <a:ext cx="857627" cy="584776"/>
-          </a:xfrm>
-          <a:prstGeom prst="rect">
-            <a:avLst/>
-          </a:prstGeom>
-          <a:noFill/>
-        </p:spPr>
-        <p:txBody>
-          <a:bodyPr wrap="none" rtlCol="0">
-            <a:spAutoFit/>
-          </a:bodyPr>
-          <a:lstStyle/>
-          <a:p>
-            <a:r>
-              <a:rPr kumimoji="1" lang="en-US" altLang="zh-TW" sz="1600" dirty="0" smtClean="0">
-                <a:latin typeface="Arial"/>
-                <a:cs typeface="Arial"/>
-              </a:rPr>
-              <a:t>Drum </a:t>
-            </a:r>
-          </a:p>
-          <a:p>
-            <a:r>
-              <a:rPr kumimoji="1" lang="en-US" altLang="zh-TW" sz="1600" dirty="0" smtClean="0">
-                <a:latin typeface="Arial"/>
-                <a:cs typeface="Arial"/>
-              </a:rPr>
-              <a:t>Signals</a:t>
-            </a:r>
-            <a:endParaRPr kumimoji="1" lang="zh-TW" altLang="en-US" sz="1600" dirty="0">
-              <a:latin typeface="Arial"/>
-              <a:cs typeface="Arial"/>
-            </a:endParaRPr>
-          </a:p>
-        </p:txBody>
-      </p:sp>
-      <p:grpSp>
-        <p:nvGrpSpPr>
-          <p:cNvPr id="3" name="群組 2"/>
-          <p:cNvGrpSpPr/>
-          <p:nvPr/>
-        </p:nvGrpSpPr>
-        <p:grpSpPr>
-          <a:xfrm>
-            <a:off x="1512978" y="3168653"/>
-            <a:ext cx="2175076" cy="450636"/>
-            <a:chOff x="4555608" y="1573855"/>
-            <a:chExt cx="2257354" cy="607452"/>
-          </a:xfrm>
-        </p:grpSpPr>
-        <p:sp>
-          <p:nvSpPr>
-            <p:cNvPr id="2" name="圓角矩形 1"/>
-            <p:cNvSpPr/>
-            <p:nvPr/>
-          </p:nvSpPr>
-          <p:spPr>
-            <a:xfrm>
-              <a:off x="4555608" y="1573855"/>
-              <a:ext cx="2257354" cy="607452"/>
-            </a:xfrm>
-            <a:prstGeom prst="roundRect">
-              <a:avLst/>
-            </a:prstGeom>
-            <a:noFill/>
-            <a:ln>
-              <a:solidFill>
-                <a:schemeClr val="tx1"/>
-              </a:solidFill>
-            </a:ln>
-            <a:effectLst/>
-          </p:spPr>
-          <p:style>
-            <a:lnRef idx="1">
-              <a:schemeClr val="accent1"/>
-            </a:lnRef>
-            <a:fillRef idx="3">
-              <a:schemeClr val="accent1"/>
-            </a:fillRef>
-            <a:effectRef idx="2">
-              <a:schemeClr val="accent1"/>
-            </a:effectRef>
-            <a:fontRef idx="minor">
-              <a:schemeClr val="lt1"/>
-            </a:fontRef>
-          </p:style>
-          <p:txBody>
-            <a:bodyPr rtlCol="0" anchor="ctr"/>
-            <a:lstStyle/>
-            <a:p>
-              <a:pPr algn="ctr"/>
-              <a:endParaRPr kumimoji="1" lang="zh-TW" altLang="en-US"/>
-            </a:p>
-          </p:txBody>
-        </p:sp>
-        <p:sp>
-          <p:nvSpPr>
-            <p:cNvPr id="17" name="文字方塊 16"/>
-            <p:cNvSpPr txBox="1"/>
-            <p:nvPr/>
-          </p:nvSpPr>
-          <p:spPr>
-            <a:xfrm>
-              <a:off x="4564530" y="1612180"/>
-              <a:ext cx="2248432" cy="338554"/>
-            </a:xfrm>
-            <a:prstGeom prst="rect">
-              <a:avLst/>
-            </a:prstGeom>
-            <a:noFill/>
-          </p:spPr>
-          <p:txBody>
-            <a:bodyPr wrap="none" rtlCol="0">
-              <a:spAutoFit/>
-            </a:bodyPr>
-            <a:lstStyle/>
-            <a:p>
-              <a:r>
-                <a:rPr kumimoji="1" lang="en-US" altLang="zh-TW" sz="1600" dirty="0" smtClean="0">
-                  <a:latin typeface="Arial"/>
-                  <a:cs typeface="Arial"/>
-                </a:rPr>
-                <a:t>Semi-Supervised NMF</a:t>
-              </a:r>
-              <a:endParaRPr kumimoji="1" lang="zh-TW" altLang="en-US" sz="1600" dirty="0">
-                <a:latin typeface="Arial"/>
-                <a:cs typeface="Arial"/>
-              </a:endParaRPr>
-            </a:p>
-          </p:txBody>
-        </p:sp>
-      </p:grpSp>
-      <p:grpSp>
-        <p:nvGrpSpPr>
-          <p:cNvPr id="21" name="群組 20"/>
-          <p:cNvGrpSpPr/>
-          <p:nvPr/>
-        </p:nvGrpSpPr>
-        <p:grpSpPr>
-          <a:xfrm>
-            <a:off x="1526782" y="1871004"/>
-            <a:ext cx="2152675" cy="344744"/>
-            <a:chOff x="4555608" y="1529067"/>
-            <a:chExt cx="2260491" cy="445630"/>
-          </a:xfrm>
-        </p:grpSpPr>
-        <p:sp>
-          <p:nvSpPr>
-            <p:cNvPr id="22" name="圓角矩形 21"/>
-            <p:cNvSpPr/>
-            <p:nvPr/>
-          </p:nvSpPr>
-          <p:spPr>
-            <a:xfrm>
-              <a:off x="4555608" y="1573855"/>
-              <a:ext cx="2260491" cy="400842"/>
-            </a:xfrm>
-            <a:prstGeom prst="roundRect">
-              <a:avLst/>
-            </a:prstGeom>
-            <a:noFill/>
-            <a:ln>
-              <a:solidFill>
-                <a:schemeClr val="tx1"/>
-              </a:solidFill>
-            </a:ln>
-            <a:effectLst/>
-          </p:spPr>
-          <p:style>
-            <a:lnRef idx="1">
-              <a:schemeClr val="accent1"/>
-            </a:lnRef>
-            <a:fillRef idx="3">
-              <a:schemeClr val="accent1"/>
-            </a:fillRef>
-            <a:effectRef idx="2">
-              <a:schemeClr val="accent1"/>
-            </a:effectRef>
-            <a:fontRef idx="minor">
-              <a:schemeClr val="lt1"/>
-            </a:fontRef>
-          </p:style>
-          <p:txBody>
-            <a:bodyPr rtlCol="0" anchor="ctr"/>
-            <a:lstStyle/>
-            <a:p>
-              <a:pPr algn="ctr"/>
-              <a:endParaRPr kumimoji="1" lang="zh-TW" altLang="en-US"/>
-            </a:p>
-          </p:txBody>
-        </p:sp>
-        <p:sp>
-          <p:nvSpPr>
-            <p:cNvPr id="25" name="文字方塊 24"/>
-            <p:cNvSpPr txBox="1"/>
-            <p:nvPr/>
-          </p:nvSpPr>
-          <p:spPr>
-            <a:xfrm>
-              <a:off x="5229452" y="1529067"/>
-              <a:ext cx="697527" cy="338553"/>
-            </a:xfrm>
-            <a:prstGeom prst="rect">
-              <a:avLst/>
-            </a:prstGeom>
-            <a:noFill/>
-          </p:spPr>
-          <p:txBody>
-            <a:bodyPr wrap="none" rtlCol="0">
-              <a:spAutoFit/>
-            </a:bodyPr>
-            <a:lstStyle/>
-            <a:p>
-              <a:r>
-                <a:rPr kumimoji="1" lang="en-US" altLang="zh-TW" sz="1600" dirty="0" smtClean="0">
-                  <a:latin typeface="Arial"/>
-                  <a:cs typeface="Arial"/>
-                </a:rPr>
-                <a:t>STFT</a:t>
-              </a:r>
-              <a:endParaRPr kumimoji="1" lang="zh-TW" altLang="en-US" sz="1600" dirty="0">
-                <a:latin typeface="Arial"/>
-                <a:cs typeface="Arial"/>
-              </a:endParaRPr>
-            </a:p>
-          </p:txBody>
-        </p:sp>
-      </p:grpSp>
-      <p:grpSp>
-        <p:nvGrpSpPr>
-          <p:cNvPr id="27" name="群組 26"/>
-          <p:cNvGrpSpPr/>
-          <p:nvPr/>
-        </p:nvGrpSpPr>
-        <p:grpSpPr>
-          <a:xfrm>
-            <a:off x="1526782" y="2391170"/>
-            <a:ext cx="1096975" cy="607452"/>
-            <a:chOff x="4555608" y="1573855"/>
-            <a:chExt cx="1151917" cy="607452"/>
-          </a:xfrm>
-        </p:grpSpPr>
-        <p:sp>
-          <p:nvSpPr>
-            <p:cNvPr id="28" name="圓角矩形 27"/>
-            <p:cNvSpPr/>
-            <p:nvPr/>
-          </p:nvSpPr>
-          <p:spPr>
-            <a:xfrm>
-              <a:off x="4555608" y="1573855"/>
-              <a:ext cx="1144631" cy="607452"/>
-            </a:xfrm>
-            <a:prstGeom prst="roundRect">
-              <a:avLst/>
-            </a:prstGeom>
-            <a:noFill/>
-            <a:ln>
-              <a:solidFill>
-                <a:schemeClr val="tx1"/>
-              </a:solidFill>
-            </a:ln>
-            <a:effectLst/>
-          </p:spPr>
-          <p:style>
-            <a:lnRef idx="1">
-              <a:schemeClr val="accent1"/>
-            </a:lnRef>
-            <a:fillRef idx="3">
-              <a:schemeClr val="accent1"/>
-            </a:fillRef>
-            <a:effectRef idx="2">
-              <a:schemeClr val="accent1"/>
-            </a:effectRef>
-            <a:fontRef idx="minor">
-              <a:schemeClr val="lt1"/>
-            </a:fontRef>
-          </p:style>
-          <p:txBody>
-            <a:bodyPr rtlCol="0" anchor="ctr"/>
-            <a:lstStyle/>
-            <a:p>
-              <a:pPr algn="ctr"/>
-              <a:endParaRPr kumimoji="1" lang="zh-TW" altLang="en-US"/>
-            </a:p>
-          </p:txBody>
-        </p:sp>
-        <p:sp>
-          <p:nvSpPr>
-            <p:cNvPr id="29" name="文字方塊 28"/>
-            <p:cNvSpPr txBox="1"/>
-            <p:nvPr/>
-          </p:nvSpPr>
-          <p:spPr>
-            <a:xfrm>
-              <a:off x="4555608" y="1573855"/>
-              <a:ext cx="1151917" cy="584776"/>
-            </a:xfrm>
-            <a:prstGeom prst="rect">
-              <a:avLst/>
-            </a:prstGeom>
-            <a:noFill/>
-          </p:spPr>
-          <p:txBody>
-            <a:bodyPr wrap="none" rtlCol="0">
-              <a:spAutoFit/>
-            </a:bodyPr>
-            <a:lstStyle/>
-            <a:p>
-              <a:r>
-                <a:rPr kumimoji="1" lang="en-US" altLang="zh-TW" sz="1600" dirty="0" smtClean="0">
-                  <a:latin typeface="Arial"/>
-                  <a:cs typeface="Arial"/>
-                </a:rPr>
-                <a:t>Template</a:t>
-              </a:r>
-            </a:p>
-            <a:p>
-              <a:r>
-                <a:rPr kumimoji="1" lang="en-US" altLang="zh-TW" sz="1600" dirty="0" smtClean="0">
-                  <a:latin typeface="Arial"/>
-                  <a:cs typeface="Arial"/>
-                </a:rPr>
-                <a:t>Extraction</a:t>
-              </a:r>
-              <a:endParaRPr kumimoji="1" lang="zh-TW" altLang="en-US" sz="1600" dirty="0">
-                <a:latin typeface="Arial"/>
-                <a:cs typeface="Arial"/>
-              </a:endParaRPr>
-            </a:p>
-          </p:txBody>
-        </p:sp>
-      </p:grpSp>
-      <p:grpSp>
-        <p:nvGrpSpPr>
-          <p:cNvPr id="33" name="群組 32"/>
-          <p:cNvGrpSpPr/>
-          <p:nvPr/>
-        </p:nvGrpSpPr>
-        <p:grpSpPr>
-          <a:xfrm>
-            <a:off x="1512979" y="3771689"/>
-            <a:ext cx="2175076" cy="380419"/>
-            <a:chOff x="4555608" y="1573855"/>
-            <a:chExt cx="1889077" cy="607452"/>
-          </a:xfrm>
-        </p:grpSpPr>
-        <p:sp>
-          <p:nvSpPr>
-            <p:cNvPr id="34" name="圓角矩形 33"/>
-            <p:cNvSpPr/>
-            <p:nvPr/>
-          </p:nvSpPr>
-          <p:spPr>
-            <a:xfrm>
-              <a:off x="4555608" y="1573855"/>
-              <a:ext cx="1889077" cy="607452"/>
-            </a:xfrm>
-            <a:prstGeom prst="roundRect">
-              <a:avLst/>
-            </a:prstGeom>
-            <a:noFill/>
-            <a:ln>
-              <a:solidFill>
-                <a:schemeClr val="tx1"/>
-              </a:solidFill>
-            </a:ln>
-            <a:effectLst/>
-          </p:spPr>
-          <p:style>
-            <a:lnRef idx="1">
-              <a:schemeClr val="accent1"/>
-            </a:lnRef>
-            <a:fillRef idx="3">
-              <a:schemeClr val="accent1"/>
-            </a:fillRef>
-            <a:effectRef idx="2">
-              <a:schemeClr val="accent1"/>
-            </a:effectRef>
-            <a:fontRef idx="minor">
-              <a:schemeClr val="lt1"/>
-            </a:fontRef>
-          </p:style>
-          <p:txBody>
-            <a:bodyPr rtlCol="0" anchor="ctr"/>
-            <a:lstStyle/>
-            <a:p>
-              <a:pPr algn="ctr"/>
-              <a:endParaRPr kumimoji="1" lang="zh-TW" altLang="en-US"/>
-            </a:p>
-          </p:txBody>
-        </p:sp>
-        <p:sp>
-          <p:nvSpPr>
-            <p:cNvPr id="35" name="文字方塊 34"/>
-            <p:cNvSpPr txBox="1"/>
-            <p:nvPr/>
-          </p:nvSpPr>
-          <p:spPr>
-            <a:xfrm>
-              <a:off x="4589123" y="1576493"/>
-              <a:ext cx="1655922" cy="338554"/>
-            </a:xfrm>
-            <a:prstGeom prst="rect">
-              <a:avLst/>
-            </a:prstGeom>
-            <a:noFill/>
-          </p:spPr>
-          <p:txBody>
-            <a:bodyPr wrap="none" rtlCol="0">
-              <a:spAutoFit/>
-            </a:bodyPr>
-            <a:lstStyle/>
-            <a:p>
-              <a:r>
-                <a:rPr kumimoji="1" lang="en-US" altLang="zh-TW" sz="1600" dirty="0" smtClean="0">
-                  <a:latin typeface="Arial"/>
-                  <a:cs typeface="Arial"/>
-                </a:rPr>
-                <a:t>Onset Detection</a:t>
-              </a:r>
-              <a:endParaRPr kumimoji="1" lang="zh-TW" altLang="en-US" sz="1600" dirty="0">
-                <a:latin typeface="Arial"/>
-                <a:cs typeface="Arial"/>
-              </a:endParaRPr>
-            </a:p>
-          </p:txBody>
-        </p:sp>
-      </p:grpSp>
-      <p:cxnSp>
-        <p:nvCxnSpPr>
-          <p:cNvPr id="38" name="直線箭頭接點 37"/>
-          <p:cNvCxnSpPr/>
-          <p:nvPr/>
-        </p:nvCxnSpPr>
-        <p:spPr>
-          <a:xfrm flipH="1">
-            <a:off x="2071802" y="2972692"/>
-            <a:ext cx="4542" cy="216443"/>
-          </a:xfrm>
-          <a:prstGeom prst="straightConnector1">
-            <a:avLst/>
-          </a:prstGeom>
-          <a:ln>
-            <a:solidFill>
-              <a:schemeClr val="tx1"/>
-            </a:solidFill>
-            <a:tailEnd type="arrow"/>
-          </a:ln>
-          <a:effectLst/>
-        </p:spPr>
-        <p:style>
-          <a:lnRef idx="2">
-            <a:schemeClr val="accent1"/>
-          </a:lnRef>
-          <a:fillRef idx="0">
-            <a:schemeClr val="accent1"/>
-          </a:fillRef>
-          <a:effectRef idx="1">
-            <a:schemeClr val="accent1"/>
-          </a:effectRef>
-          <a:fontRef idx="minor">
-            <a:schemeClr val="tx1"/>
-          </a:fontRef>
-        </p:style>
-      </p:cxnSp>
-      <p:grpSp>
-        <p:nvGrpSpPr>
-          <p:cNvPr id="60" name="群組 59"/>
-          <p:cNvGrpSpPr/>
-          <p:nvPr/>
-        </p:nvGrpSpPr>
-        <p:grpSpPr>
-          <a:xfrm>
-            <a:off x="1512978" y="1311996"/>
-            <a:ext cx="2166480" cy="416185"/>
-            <a:chOff x="4555608" y="1562462"/>
-            <a:chExt cx="1144631" cy="412235"/>
-          </a:xfrm>
-        </p:grpSpPr>
-        <p:sp>
-          <p:nvSpPr>
-            <p:cNvPr id="61" name="圓角矩形 60"/>
-            <p:cNvSpPr/>
-            <p:nvPr/>
-          </p:nvSpPr>
-          <p:spPr>
-            <a:xfrm>
-              <a:off x="4555608" y="1573855"/>
-              <a:ext cx="1144631" cy="400842"/>
-            </a:xfrm>
-            <a:prstGeom prst="roundRect">
-              <a:avLst/>
-            </a:prstGeom>
-            <a:noFill/>
-            <a:ln>
-              <a:solidFill>
-                <a:schemeClr val="tx1"/>
-              </a:solidFill>
-            </a:ln>
-            <a:effectLst/>
-          </p:spPr>
-          <p:style>
-            <a:lnRef idx="1">
-              <a:schemeClr val="accent1"/>
-            </a:lnRef>
-            <a:fillRef idx="3">
-              <a:schemeClr val="accent1"/>
-            </a:fillRef>
-            <a:effectRef idx="2">
-              <a:schemeClr val="accent1"/>
-            </a:effectRef>
-            <a:fontRef idx="minor">
-              <a:schemeClr val="lt1"/>
-            </a:fontRef>
-          </p:style>
-          <p:txBody>
-            <a:bodyPr rtlCol="0" anchor="ctr"/>
-            <a:lstStyle/>
-            <a:p>
-              <a:pPr algn="ctr"/>
-              <a:endParaRPr kumimoji="1" lang="zh-TW" altLang="en-US"/>
-            </a:p>
-          </p:txBody>
-        </p:sp>
-        <p:sp>
-          <p:nvSpPr>
-            <p:cNvPr id="62" name="文字方塊 61"/>
-            <p:cNvSpPr txBox="1"/>
-            <p:nvPr/>
-          </p:nvSpPr>
-          <p:spPr>
-            <a:xfrm>
-              <a:off x="4617696" y="1562462"/>
-              <a:ext cx="935429" cy="335341"/>
-            </a:xfrm>
-            <a:prstGeom prst="rect">
-              <a:avLst/>
-            </a:prstGeom>
-            <a:noFill/>
-          </p:spPr>
-          <p:txBody>
-            <a:bodyPr wrap="none" rtlCol="0">
-              <a:spAutoFit/>
-            </a:bodyPr>
-            <a:lstStyle/>
-            <a:p>
-              <a:r>
-                <a:rPr kumimoji="1" lang="en-US" altLang="zh-TW" sz="1600" dirty="0" smtClean="0">
-                  <a:latin typeface="Arial"/>
-                  <a:cs typeface="Arial"/>
-                </a:rPr>
-                <a:t>High-pass filtering</a:t>
-              </a:r>
-              <a:endParaRPr kumimoji="1" lang="zh-TW" altLang="en-US" sz="1600" dirty="0">
-                <a:latin typeface="Arial"/>
-                <a:cs typeface="Arial"/>
-              </a:endParaRPr>
-            </a:p>
-          </p:txBody>
-        </p:sp>
-      </p:grpSp>
-      <p:cxnSp>
-        <p:nvCxnSpPr>
-          <p:cNvPr id="63" name="直線箭頭接點 62"/>
-          <p:cNvCxnSpPr/>
-          <p:nvPr/>
-        </p:nvCxnSpPr>
-        <p:spPr>
-          <a:xfrm>
-            <a:off x="2071802" y="2215746"/>
-            <a:ext cx="2" cy="187006"/>
-          </a:xfrm>
-          <a:prstGeom prst="straightConnector1">
-            <a:avLst/>
-          </a:prstGeom>
-          <a:ln>
-            <a:solidFill>
-              <a:schemeClr val="tx1"/>
-            </a:solidFill>
-            <a:tailEnd type="arrow"/>
-          </a:ln>
-          <a:effectLst/>
-        </p:spPr>
-        <p:style>
-          <a:lnRef idx="2">
-            <a:schemeClr val="accent1"/>
-          </a:lnRef>
-          <a:fillRef idx="0">
-            <a:schemeClr val="accent1"/>
-          </a:fillRef>
-          <a:effectRef idx="1">
-            <a:schemeClr val="accent1"/>
-          </a:effectRef>
-          <a:fontRef idx="minor">
-            <a:schemeClr val="tx1"/>
-          </a:fontRef>
-        </p:style>
-      </p:cxnSp>
-      <p:cxnSp>
-        <p:nvCxnSpPr>
-          <p:cNvPr id="64" name="直線箭頭接點 63"/>
-          <p:cNvCxnSpPr>
-            <a:stCxn id="2" idx="2"/>
-            <a:endCxn id="34" idx="0"/>
-          </p:cNvCxnSpPr>
-          <p:nvPr/>
-        </p:nvCxnSpPr>
-        <p:spPr>
-          <a:xfrm>
-            <a:off x="2600516" y="3619289"/>
-            <a:ext cx="1" cy="152400"/>
-          </a:xfrm>
-          <a:prstGeom prst="straightConnector1">
-            <a:avLst/>
-          </a:prstGeom>
-          <a:ln>
-            <a:solidFill>
-              <a:schemeClr val="tx1"/>
-            </a:solidFill>
-            <a:tailEnd type="arrow"/>
-          </a:ln>
-          <a:effectLst/>
-        </p:spPr>
-        <p:style>
-          <a:lnRef idx="2">
-            <a:schemeClr val="accent1"/>
-          </a:lnRef>
-          <a:fillRef idx="0">
-            <a:schemeClr val="accent1"/>
-          </a:fillRef>
-          <a:effectRef idx="1">
-            <a:schemeClr val="accent1"/>
-          </a:effectRef>
-          <a:fontRef idx="minor">
-            <a:schemeClr val="tx1"/>
-          </a:fontRef>
-        </p:style>
-      </p:cxnSp>
-      <p:cxnSp>
-        <p:nvCxnSpPr>
-          <p:cNvPr id="16" name="肘形接點 15"/>
-          <p:cNvCxnSpPr>
-            <a:stCxn id="34" idx="2"/>
-            <a:endCxn id="37" idx="0"/>
-          </p:cNvCxnSpPr>
-          <p:nvPr/>
-        </p:nvCxnSpPr>
-        <p:spPr>
-          <a:xfrm rot="16200000" flipH="1">
-            <a:off x="3057501" y="3695123"/>
-            <a:ext cx="413506" cy="1327475"/>
-          </a:xfrm>
-          <a:prstGeom prst="bentConnector3">
-            <a:avLst>
-              <a:gd name="adj1" fmla="val 50000"/>
-            </a:avLst>
-          </a:prstGeom>
-          <a:ln>
-            <a:solidFill>
-              <a:schemeClr val="tx1"/>
-            </a:solidFill>
-            <a:prstDash val="sysDash"/>
-            <a:tailEnd type="arrow"/>
-          </a:ln>
-          <a:effectLst/>
-        </p:spPr>
-        <p:style>
-          <a:lnRef idx="2">
-            <a:schemeClr val="accent1"/>
-          </a:lnRef>
-          <a:fillRef idx="0">
-            <a:schemeClr val="accent1"/>
-          </a:fillRef>
-          <a:effectRef idx="1">
-            <a:schemeClr val="accent1"/>
-          </a:effectRef>
-          <a:fontRef idx="minor">
-            <a:schemeClr val="tx1"/>
-          </a:fontRef>
-        </p:style>
-      </p:cxnSp>
       <p:grpSp>
         <p:nvGrpSpPr>
           <p:cNvPr id="67" name="群組 66"/>
@@ -4727,8 +3949,8 @@
         </p:nvGrpSpPr>
         <p:grpSpPr>
           <a:xfrm>
-            <a:off x="4146446" y="3132346"/>
-            <a:ext cx="2175076" cy="450636"/>
+            <a:off x="4203215" y="656682"/>
+            <a:ext cx="1283752" cy="1185934"/>
             <a:chOff x="4555608" y="1573855"/>
             <a:chExt cx="2257354" cy="607452"/>
           </a:xfrm>
@@ -4786,8 +4008,8 @@
           </p:nvSpPr>
           <p:spPr>
             <a:xfrm>
-              <a:off x="4564530" y="1612180"/>
-              <a:ext cx="2248432" cy="338554"/>
+              <a:off x="4641536" y="1686960"/>
+              <a:ext cx="2058579" cy="277435"/>
             </a:xfrm>
             <a:prstGeom prst="rect">
               <a:avLst/>
@@ -4795,7 +4017,7 @@
             <a:noFill/>
           </p:spPr>
           <p:txBody>
-            <a:bodyPr wrap="none" rtlCol="0">
+            <a:bodyPr wrap="square" rtlCol="0">
               <a:spAutoFit/>
             </a:bodyPr>
             <a:lstStyle/>
@@ -4805,7 +4027,21 @@
                   <a:latin typeface="Arial"/>
                   <a:cs typeface="Arial"/>
                 </a:rPr>
-                <a:t>Semi-Supervised NMF</a:t>
+                <a:t>Partially Fixed</a:t>
+              </a:r>
+              <a:r>
+                <a:rPr kumimoji="1" lang="en-US" altLang="zh-TW" sz="1600" dirty="0" smtClean="0">
+                  <a:latin typeface="Arial"/>
+                  <a:cs typeface="Arial"/>
+                </a:rPr>
+                <a:t> </a:t>
+              </a:r>
+              <a:r>
+                <a:rPr kumimoji="1" lang="en-US" altLang="zh-TW" sz="1600" dirty="0" smtClean="0">
+                  <a:latin typeface="Arial"/>
+                  <a:cs typeface="Arial"/>
+                </a:rPr>
+                <a:t>NMF</a:t>
               </a:r>
               <a:endParaRPr kumimoji="1" lang="zh-TW" altLang="en-US" sz="1600" dirty="0">
                 <a:latin typeface="Arial"/>
@@ -4823,10 +4059,10 @@
         </p:nvGrpSpPr>
         <p:grpSpPr>
           <a:xfrm>
-            <a:off x="4146447" y="3735382"/>
-            <a:ext cx="2175076" cy="380419"/>
+            <a:off x="5750598" y="630024"/>
+            <a:ext cx="1222684" cy="1220204"/>
             <a:chOff x="4555608" y="1573855"/>
-            <a:chExt cx="1889077" cy="607452"/>
+            <a:chExt cx="1988788" cy="607452"/>
           </a:xfrm>
         </p:grpSpPr>
         <p:sp>
@@ -4882,8 +4118,8 @@
           </p:nvSpPr>
           <p:spPr>
             <a:xfrm>
-              <a:off x="4589123" y="1576493"/>
-              <a:ext cx="1655922" cy="338554"/>
+              <a:off x="4695040" y="1669926"/>
+              <a:ext cx="1849356" cy="313631"/>
             </a:xfrm>
             <a:prstGeom prst="rect">
               <a:avLst/>
@@ -4891,7 +4127,7 @@
             <a:noFill/>
           </p:spPr>
           <p:txBody>
-            <a:bodyPr wrap="none" rtlCol="0">
+            <a:bodyPr wrap="square" rtlCol="0">
               <a:spAutoFit/>
             </a:bodyPr>
             <a:lstStyle/>
@@ -4914,95 +4150,13 @@
       <p:cxnSp>
         <p:nvCxnSpPr>
           <p:cNvPr id="73" name="直線箭頭接點 72"/>
-          <p:cNvCxnSpPr>
-            <a:stCxn id="68" idx="2"/>
-            <a:endCxn id="71" idx="0"/>
-          </p:cNvCxnSpPr>
-          <p:nvPr/>
-        </p:nvCxnSpPr>
-        <p:spPr>
-          <a:xfrm>
-            <a:off x="5233984" y="3582982"/>
-            <a:ext cx="1" cy="152400"/>
-          </a:xfrm>
-          <a:prstGeom prst="straightConnector1">
-            <a:avLst/>
-          </a:prstGeom>
-          <a:ln>
-            <a:solidFill>
-              <a:schemeClr val="tx1"/>
-            </a:solidFill>
-            <a:tailEnd type="arrow"/>
-          </a:ln>
-          <a:effectLst/>
-        </p:spPr>
-        <p:style>
-          <a:lnRef idx="2">
-            <a:schemeClr val="accent1"/>
-          </a:lnRef>
-          <a:fillRef idx="0">
-            <a:schemeClr val="accent1"/>
-          </a:fillRef>
-          <a:effectRef idx="1">
-            <a:schemeClr val="accent1"/>
-          </a:effectRef>
-          <a:fontRef idx="minor">
-            <a:schemeClr val="tx1"/>
-          </a:fontRef>
-        </p:style>
-      </p:cxnSp>
-      <p:cxnSp>
-        <p:nvCxnSpPr>
-          <p:cNvPr id="81" name="肘形接點 80"/>
-          <p:cNvCxnSpPr>
-            <a:stCxn id="71" idx="2"/>
-            <a:endCxn id="37" idx="0"/>
-          </p:cNvCxnSpPr>
-          <p:nvPr/>
-        </p:nvCxnSpPr>
-        <p:spPr>
-          <a:xfrm rot="5400000">
-            <a:off x="4356083" y="3687711"/>
-            <a:ext cx="449813" cy="1305993"/>
-          </a:xfrm>
-          <a:prstGeom prst="bentConnector3">
-            <a:avLst>
-              <a:gd name="adj1" fmla="val 53069"/>
-            </a:avLst>
-          </a:prstGeom>
-          <a:ln>
-            <a:solidFill>
-              <a:schemeClr val="tx1"/>
-            </a:solidFill>
-            <a:tailEnd type="arrow"/>
-          </a:ln>
-          <a:effectLst/>
-        </p:spPr>
-        <p:style>
-          <a:lnRef idx="2">
-            <a:schemeClr val="accent1"/>
-          </a:lnRef>
-          <a:fillRef idx="0">
-            <a:schemeClr val="accent1"/>
-          </a:fillRef>
-          <a:effectRef idx="1">
-            <a:schemeClr val="accent1"/>
-          </a:effectRef>
-          <a:fontRef idx="minor">
-            <a:schemeClr val="tx1"/>
-          </a:fontRef>
-        </p:style>
-      </p:cxnSp>
-      <p:cxnSp>
-        <p:nvCxnSpPr>
-          <p:cNvPr id="87" name="直線箭頭接點 86"/>
           <p:cNvCxnSpPr/>
           <p:nvPr/>
         </p:nvCxnSpPr>
         <p:spPr>
           <a:xfrm>
-            <a:off x="3148412" y="2215746"/>
-            <a:ext cx="0" cy="916600"/>
+            <a:off x="4015385" y="974679"/>
+            <a:ext cx="236697" cy="1"/>
           </a:xfrm>
           <a:prstGeom prst="straightConnector1">
             <a:avLst/>
@@ -5037,9 +4191,9 @@
           <p:nvPr/>
         </p:nvCxnSpPr>
         <p:spPr>
-          <a:xfrm>
-            <a:off x="5714415" y="1151109"/>
-            <a:ext cx="0" cy="740735"/>
+          <a:xfrm flipV="1">
+            <a:off x="1768135" y="971210"/>
+            <a:ext cx="361875" cy="1"/>
           </a:xfrm>
           <a:prstGeom prst="straightConnector1">
             <a:avLst/>
@@ -5075,7 +4229,7 @@
         </p:nvSpPr>
         <p:spPr>
           <a:xfrm>
-            <a:off x="5285601" y="552527"/>
+            <a:off x="983498" y="570511"/>
             <a:ext cx="857627" cy="584776"/>
           </a:xfrm>
           <a:prstGeom prst="rect">
@@ -5120,10 +4274,10 @@
         </p:nvGrpSpPr>
         <p:grpSpPr>
           <a:xfrm>
-            <a:off x="4155043" y="1878038"/>
-            <a:ext cx="2102675" cy="337708"/>
-            <a:chOff x="3492252" y="1538163"/>
-            <a:chExt cx="2207987" cy="436535"/>
+            <a:off x="2086216" y="698133"/>
+            <a:ext cx="791050" cy="1144484"/>
+            <a:chOff x="2995963" y="1573854"/>
+            <a:chExt cx="3323505" cy="400843"/>
           </a:xfrm>
         </p:grpSpPr>
         <p:sp>
@@ -5134,8 +4288,8 @@
           </p:nvSpPr>
           <p:spPr>
             <a:xfrm>
-              <a:off x="3492252" y="1573855"/>
-              <a:ext cx="2207987" cy="400843"/>
+              <a:off x="3179959" y="1573854"/>
+              <a:ext cx="2520280" cy="400843"/>
             </a:xfrm>
             <a:prstGeom prst="roundRect">
               <a:avLst/>
@@ -5179,8 +4333,8 @@
           </p:nvSpPr>
           <p:spPr>
             <a:xfrm>
-              <a:off x="4177934" y="1538163"/>
-              <a:ext cx="697527" cy="338553"/>
+              <a:off x="2995963" y="1690341"/>
+              <a:ext cx="3323505" cy="85199"/>
             </a:xfrm>
             <a:prstGeom prst="rect">
               <a:avLst/>
@@ -5188,7 +4342,7 @@
             <a:noFill/>
           </p:spPr>
           <p:txBody>
-            <a:bodyPr wrap="none" rtlCol="0">
+            <a:bodyPr wrap="square" rtlCol="0">
               <a:spAutoFit/>
             </a:bodyPr>
             <a:lstStyle/>
@@ -5216,7 +4370,7 @@
         </p:nvGrpSpPr>
         <p:grpSpPr>
           <a:xfrm>
-            <a:off x="5159083" y="2371250"/>
+            <a:off x="2918410" y="689056"/>
             <a:ext cx="1096975" cy="607452"/>
             <a:chOff x="4555608" y="1573855"/>
             <a:chExt cx="1151917" cy="607452"/>
@@ -5317,14 +4471,15 @@
         <p:nvCxnSpPr>
           <p:cNvPr id="99" name="直線箭頭接點 98"/>
           <p:cNvCxnSpPr>
-            <a:stCxn id="97" idx="2"/>
+            <a:stCxn id="68" idx="3"/>
+            <a:endCxn id="71" idx="1"/>
           </p:cNvCxnSpPr>
           <p:nvPr/>
         </p:nvCxnSpPr>
         <p:spPr>
-          <a:xfrm>
-            <a:off x="5704102" y="2978702"/>
-            <a:ext cx="10313" cy="153644"/>
+          <a:xfrm flipV="1">
+            <a:off x="5486967" y="1240126"/>
+            <a:ext cx="263631" cy="9523"/>
           </a:xfrm>
           <a:prstGeom prst="straightConnector1">
             <a:avLst/>
@@ -5360,8 +4515,8 @@
         </p:nvCxnSpPr>
         <p:spPr>
           <a:xfrm>
-            <a:off x="4693656" y="2215748"/>
-            <a:ext cx="0" cy="945029"/>
+            <a:off x="2729879" y="1586050"/>
+            <a:ext cx="1442800" cy="0"/>
           </a:xfrm>
           <a:prstGeom prst="straightConnector1">
             <a:avLst/>
@@ -5396,8 +4551,8 @@
           <p:nvPr/>
         </p:nvCxnSpPr>
         <p:spPr>
-          <a:xfrm>
-            <a:off x="5714415" y="2200899"/>
+          <a:xfrm rot="16200000">
+            <a:off x="2837709" y="866850"/>
             <a:ext cx="0" cy="215659"/>
           </a:xfrm>
           <a:prstGeom prst="straightConnector1">
@@ -5434,8 +4589,8 @@
         </p:nvCxnSpPr>
         <p:spPr>
           <a:xfrm>
-            <a:off x="4693402" y="1137303"/>
-            <a:ext cx="0" cy="740735"/>
+            <a:off x="1768135" y="1595380"/>
+            <a:ext cx="361875" cy="0"/>
           </a:xfrm>
           <a:prstGeom prst="straightConnector1">
             <a:avLst/>
@@ -5465,14 +4620,14 @@
       </p:cxnSp>
       <p:cxnSp>
         <p:nvCxnSpPr>
-          <p:cNvPr id="104" name="直線箭頭接點 103"/>
+          <p:cNvPr id="66" name="直線箭頭接點 65"/>
           <p:cNvCxnSpPr/>
           <p:nvPr/>
         </p:nvCxnSpPr>
         <p:spPr>
           <a:xfrm>
-            <a:off x="2075317" y="1144026"/>
-            <a:ext cx="1074" cy="179472"/>
+            <a:off x="6911981" y="1249649"/>
+            <a:ext cx="250036" cy="0"/>
           </a:xfrm>
           <a:prstGeom prst="straightConnector1">
             <a:avLst/>
@@ -5481,83 +4636,6 @@
             <a:solidFill>
               <a:schemeClr val="tx1"/>
             </a:solidFill>
-            <a:tailEnd type="arrow"/>
-          </a:ln>
-          <a:effectLst/>
-        </p:spPr>
-        <p:style>
-          <a:lnRef idx="2">
-            <a:schemeClr val="accent1"/>
-          </a:lnRef>
-          <a:fillRef idx="0">
-            <a:schemeClr val="accent1"/>
-          </a:fillRef>
-          <a:effectRef idx="1">
-            <a:schemeClr val="accent1"/>
-          </a:effectRef>
-          <a:fontRef idx="minor">
-            <a:schemeClr val="tx1"/>
-          </a:fontRef>
-        </p:style>
-      </p:cxnSp>
-      <p:cxnSp>
-        <p:nvCxnSpPr>
-          <p:cNvPr id="85" name="直線接點 84"/>
-          <p:cNvCxnSpPr>
-            <a:endCxn id="23" idx="1"/>
-          </p:cNvCxnSpPr>
-          <p:nvPr/>
-        </p:nvCxnSpPr>
-        <p:spPr>
-          <a:xfrm>
-            <a:off x="3148412" y="844915"/>
-            <a:ext cx="1091844" cy="0"/>
-          </a:xfrm>
-          <a:prstGeom prst="line">
-            <a:avLst/>
-          </a:prstGeom>
-          <a:ln>
-            <a:solidFill>
-              <a:schemeClr val="tx1"/>
-            </a:solidFill>
-            <a:prstDash val="sysDash"/>
-          </a:ln>
-          <a:effectLst/>
-        </p:spPr>
-        <p:style>
-          <a:lnRef idx="2">
-            <a:schemeClr val="accent1"/>
-          </a:lnRef>
-          <a:fillRef idx="0">
-            <a:schemeClr val="accent1"/>
-          </a:fillRef>
-          <a:effectRef idx="1">
-            <a:schemeClr val="accent1"/>
-          </a:effectRef>
-          <a:fontRef idx="minor">
-            <a:schemeClr val="tx1"/>
-          </a:fontRef>
-        </p:style>
-      </p:cxnSp>
-      <p:cxnSp>
-        <p:nvCxnSpPr>
-          <p:cNvPr id="105" name="直線箭頭接點 104"/>
-          <p:cNvCxnSpPr/>
-          <p:nvPr/>
-        </p:nvCxnSpPr>
-        <p:spPr>
-          <a:xfrm>
-            <a:off x="3148412" y="844915"/>
-            <a:ext cx="0" cy="467081"/>
-          </a:xfrm>
-          <a:prstGeom prst="straightConnector1">
-            <a:avLst/>
-          </a:prstGeom>
-          <a:ln>
-            <a:solidFill>
-              <a:schemeClr val="tx1"/>
-            </a:solidFill>
-            <a:prstDash val="sysDash"/>
             <a:tailEnd type="arrow"/>
           </a:ln>
           <a:effectLst/>
@@ -6203,8 +5281,8 @@
         </p:nvSpPr>
         <p:spPr>
           <a:xfrm>
-            <a:off x="1546145" y="1642883"/>
-            <a:ext cx="1187219" cy="1118265"/>
+            <a:off x="1941574" y="1774275"/>
+            <a:ext cx="820986" cy="707062"/>
           </a:xfrm>
           <a:prstGeom prst="rect">
             <a:avLst/>
@@ -6236,7 +5314,7 @@
           <a:lstStyle/>
           <a:p>
             <a:pPr algn="ctr"/>
-            <a:endParaRPr kumimoji="1" lang="zh-TW" altLang="en-US" i="1"/>
+            <a:endParaRPr kumimoji="1" lang="zh-TW" altLang="en-US" sz="1400" i="1"/>
           </a:p>
         </p:txBody>
       </p:sp>
@@ -6248,8 +5326,8 @@
         </p:nvSpPr>
         <p:spPr>
           <a:xfrm>
-            <a:off x="1963561" y="1996642"/>
-            <a:ext cx="400806" cy="369332"/>
+            <a:off x="2197129" y="1996642"/>
+            <a:ext cx="354254" cy="307777"/>
           </a:xfrm>
           <a:prstGeom prst="rect">
             <a:avLst/>
@@ -6263,13 +5341,13 @@
           <a:lstStyle/>
           <a:p>
             <a:r>
-              <a:rPr kumimoji="1" lang="en-US" altLang="zh-TW" i="1" dirty="0">
+              <a:rPr kumimoji="1" lang="en-US" altLang="zh-TW" sz="1400" i="1" dirty="0">
                 <a:latin typeface="Arial"/>
                 <a:cs typeface="Arial"/>
               </a:rPr>
               <a:t>V</a:t>
             </a:r>
-            <a:endParaRPr kumimoji="1" lang="zh-TW" altLang="en-US" i="1" dirty="0">
+            <a:endParaRPr kumimoji="1" lang="zh-TW" altLang="en-US" sz="1400" i="1" dirty="0">
               <a:latin typeface="Arial"/>
               <a:cs typeface="Arial"/>
             </a:endParaRPr>
@@ -6284,8 +5362,8 @@
         </p:nvSpPr>
         <p:spPr>
           <a:xfrm>
-            <a:off x="2816191" y="2010446"/>
-            <a:ext cx="366970" cy="369332"/>
+            <a:off x="2889181" y="1966649"/>
+            <a:ext cx="326031" cy="307777"/>
           </a:xfrm>
           <a:prstGeom prst="rect">
             <a:avLst/>
@@ -6299,10 +5377,10 @@
           <a:lstStyle/>
           <a:p>
             <a:r>
-              <a:rPr kumimoji="1" lang="en-US" altLang="zh-TW" i="1" dirty="0" smtClean="0"/>
+              <a:rPr kumimoji="1" lang="en-US" altLang="zh-TW" sz="1400" i="1" dirty="0" smtClean="0"/>
               <a:t>=</a:t>
             </a:r>
-            <a:endParaRPr kumimoji="1" lang="zh-TW" altLang="en-US" i="1" dirty="0"/>
+            <a:endParaRPr kumimoji="1" lang="zh-TW" altLang="en-US" sz="1400" i="1" dirty="0"/>
           </a:p>
         </p:txBody>
       </p:sp>
@@ -6314,8 +5392,8 @@
         </p:nvSpPr>
         <p:spPr>
           <a:xfrm>
-            <a:off x="3189471" y="1643420"/>
-            <a:ext cx="513670" cy="1118265"/>
+            <a:off x="3278447" y="1774812"/>
+            <a:ext cx="424693" cy="707062"/>
           </a:xfrm>
           <a:prstGeom prst="rect">
             <a:avLst/>
@@ -6347,7 +5425,7 @@
           <a:lstStyle/>
           <a:p>
             <a:pPr algn="ctr"/>
-            <a:endParaRPr kumimoji="1" lang="zh-TW" altLang="en-US" i="1"/>
+            <a:endParaRPr kumimoji="1" lang="zh-TW" altLang="en-US" sz="1400" i="1"/>
           </a:p>
         </p:txBody>
       </p:sp>
@@ -6359,8 +5437,8 @@
         </p:nvSpPr>
         <p:spPr>
           <a:xfrm>
-            <a:off x="3189470" y="1996642"/>
-            <a:ext cx="559720" cy="369332"/>
+            <a:off x="3262460" y="1996642"/>
+            <a:ext cx="476358" cy="307777"/>
           </a:xfrm>
           <a:prstGeom prst="rect">
             <a:avLst/>
@@ -6374,20 +5452,20 @@
           <a:lstStyle/>
           <a:p>
             <a:r>
-              <a:rPr kumimoji="1" lang="en-US" altLang="zh-TW" i="1" dirty="0" smtClean="0">
+              <a:rPr kumimoji="1" lang="en-US" altLang="zh-TW" sz="1400" i="1" dirty="0" smtClean="0">
                 <a:latin typeface="Arial"/>
                 <a:cs typeface="Arial"/>
               </a:rPr>
               <a:t>W</a:t>
             </a:r>
             <a:r>
-              <a:rPr kumimoji="1" lang="en-US" altLang="zh-TW" i="1" baseline="-25000" dirty="0" smtClean="0">
+              <a:rPr kumimoji="1" lang="en-US" altLang="zh-TW" sz="1400" i="1" baseline="-25000" dirty="0" smtClean="0">
                 <a:latin typeface="Arial"/>
                 <a:cs typeface="Arial"/>
               </a:rPr>
               <a:t>D</a:t>
             </a:r>
-            <a:endParaRPr kumimoji="1" lang="zh-TW" altLang="en-US" i="1" baseline="-25000" dirty="0">
+            <a:endParaRPr kumimoji="1" lang="zh-TW" altLang="en-US" sz="1400" i="1" baseline="-25000" dirty="0">
               <a:latin typeface="Arial"/>
               <a:cs typeface="Arial"/>
             </a:endParaRPr>
@@ -6402,8 +5480,8 @@
         </p:nvSpPr>
         <p:spPr>
           <a:xfrm>
-            <a:off x="3703141" y="1643420"/>
-            <a:ext cx="513670" cy="1118265"/>
+            <a:off x="3704529" y="1774812"/>
+            <a:ext cx="424693" cy="707062"/>
           </a:xfrm>
           <a:prstGeom prst="rect">
             <a:avLst/>
@@ -6435,7 +5513,7 @@
           <a:lstStyle/>
           <a:p>
             <a:pPr algn="ctr"/>
-            <a:endParaRPr kumimoji="1" lang="zh-TW" altLang="en-US" i="1"/>
+            <a:endParaRPr kumimoji="1" lang="zh-TW" altLang="en-US" sz="1400" i="1"/>
           </a:p>
         </p:txBody>
       </p:sp>
@@ -6448,7 +5526,7 @@
         <p:spPr>
           <a:xfrm>
             <a:off x="3703140" y="1996642"/>
-            <a:ext cx="559720" cy="369332"/>
+            <a:ext cx="476358" cy="307777"/>
           </a:xfrm>
           <a:prstGeom prst="rect">
             <a:avLst/>
@@ -6462,20 +5540,20 @@
           <a:lstStyle/>
           <a:p>
             <a:r>
-              <a:rPr kumimoji="1" lang="en-US" altLang="zh-TW" i="1" dirty="0" smtClean="0">
+              <a:rPr kumimoji="1" lang="en-US" altLang="zh-TW" sz="1400" i="1" dirty="0" smtClean="0">
                 <a:latin typeface="Arial"/>
                 <a:cs typeface="Arial"/>
               </a:rPr>
               <a:t>W</a:t>
             </a:r>
             <a:r>
-              <a:rPr kumimoji="1" lang="en-US" altLang="zh-TW" i="1" baseline="-25000" dirty="0" smtClean="0">
+              <a:rPr kumimoji="1" lang="en-US" altLang="zh-TW" sz="1400" i="1" baseline="-25000" dirty="0" smtClean="0">
                 <a:latin typeface="Arial"/>
                 <a:cs typeface="Arial"/>
               </a:rPr>
               <a:t>H</a:t>
             </a:r>
-            <a:endParaRPr kumimoji="1" lang="zh-TW" altLang="en-US" i="1" baseline="-25000" dirty="0">
+            <a:endParaRPr kumimoji="1" lang="zh-TW" altLang="en-US" sz="1400" i="1" baseline="-25000" dirty="0">
               <a:latin typeface="Arial"/>
               <a:cs typeface="Arial"/>
             </a:endParaRPr>
@@ -6490,8 +5568,8 @@
         </p:nvSpPr>
         <p:spPr>
           <a:xfrm>
-            <a:off x="4321467" y="2010446"/>
-            <a:ext cx="287258" cy="369332"/>
+            <a:off x="4306869" y="1937451"/>
+            <a:ext cx="262424" cy="307777"/>
           </a:xfrm>
           <a:prstGeom prst="rect">
             <a:avLst/>
@@ -6505,10 +5583,10 @@
           <a:lstStyle/>
           <a:p>
             <a:r>
-              <a:rPr kumimoji="1" lang="en-US" altLang="zh-TW" dirty="0"/>
+              <a:rPr kumimoji="1" lang="en-US" altLang="zh-TW" sz="1400" dirty="0"/>
               <a:t>x</a:t>
             </a:r>
-            <a:endParaRPr kumimoji="1" lang="zh-TW" altLang="en-US" dirty="0"/>
+            <a:endParaRPr kumimoji="1" lang="zh-TW" altLang="en-US" sz="1400" dirty="0"/>
           </a:p>
         </p:txBody>
       </p:sp>
@@ -6520,8 +5598,8 @@
         </p:nvSpPr>
         <p:spPr>
           <a:xfrm>
-            <a:off x="4664188" y="1640535"/>
-            <a:ext cx="1255150" cy="353222"/>
+            <a:off x="4678786" y="1786525"/>
+            <a:ext cx="1072938" cy="247870"/>
           </a:xfrm>
           <a:prstGeom prst="rect">
             <a:avLst/>
@@ -6553,7 +5631,7 @@
           <a:lstStyle/>
           <a:p>
             <a:pPr algn="ctr"/>
-            <a:endParaRPr kumimoji="1" lang="zh-TW" altLang="en-US" i="1"/>
+            <a:endParaRPr kumimoji="1" lang="zh-TW" altLang="en-US" sz="1400" i="1"/>
           </a:p>
         </p:txBody>
       </p:sp>
@@ -6565,8 +5643,8 @@
         </p:nvSpPr>
         <p:spPr>
           <a:xfrm>
-            <a:off x="5012260" y="1624425"/>
-            <a:ext cx="508549" cy="369332"/>
+            <a:off x="5026858" y="1726618"/>
+            <a:ext cx="436558" cy="307777"/>
           </a:xfrm>
           <a:prstGeom prst="rect">
             <a:avLst/>
@@ -6580,20 +5658,20 @@
           <a:lstStyle/>
           <a:p>
             <a:r>
-              <a:rPr kumimoji="1" lang="en-US" altLang="zh-TW" i="1" dirty="0" smtClean="0">
+              <a:rPr kumimoji="1" lang="en-US" altLang="zh-TW" sz="1400" i="1" dirty="0" smtClean="0">
                 <a:latin typeface="Arial"/>
                 <a:cs typeface="Arial"/>
               </a:rPr>
               <a:t>H</a:t>
             </a:r>
             <a:r>
-              <a:rPr kumimoji="1" lang="en-US" altLang="zh-TW" i="1" baseline="-25000" dirty="0" smtClean="0">
+              <a:rPr kumimoji="1" lang="en-US" altLang="zh-TW" sz="1400" i="1" baseline="-25000" dirty="0" smtClean="0">
                 <a:latin typeface="Arial"/>
                 <a:cs typeface="Arial"/>
               </a:rPr>
               <a:t>D</a:t>
             </a:r>
-            <a:endParaRPr kumimoji="1" lang="zh-TW" altLang="en-US" i="1" baseline="-25000" dirty="0">
+            <a:endParaRPr kumimoji="1" lang="zh-TW" altLang="en-US" sz="1400" i="1" baseline="-25000" dirty="0">
               <a:latin typeface="Arial"/>
               <a:cs typeface="Arial"/>
             </a:endParaRPr>
@@ -6608,8 +5686,8 @@
         </p:nvSpPr>
         <p:spPr>
           <a:xfrm>
-            <a:off x="4664188" y="1988523"/>
-            <a:ext cx="1255150" cy="353222"/>
+            <a:off x="4678786" y="2032320"/>
+            <a:ext cx="1072938" cy="247870"/>
           </a:xfrm>
           <a:prstGeom prst="rect">
             <a:avLst/>
@@ -6641,7 +5719,7 @@
           <a:lstStyle/>
           <a:p>
             <a:pPr algn="ctr"/>
-            <a:endParaRPr kumimoji="1" lang="zh-TW" altLang="en-US" i="1"/>
+            <a:endParaRPr kumimoji="1" lang="zh-TW" altLang="en-US" sz="1400" i="1"/>
           </a:p>
         </p:txBody>
       </p:sp>
@@ -6653,8 +5731,8 @@
         </p:nvSpPr>
         <p:spPr>
           <a:xfrm>
-            <a:off x="5012260" y="1972413"/>
-            <a:ext cx="508549" cy="369332"/>
+            <a:off x="5026858" y="2001611"/>
+            <a:ext cx="436558" cy="307777"/>
           </a:xfrm>
           <a:prstGeom prst="rect">
             <a:avLst/>
@@ -6668,20 +5746,20 @@
           <a:lstStyle/>
           <a:p>
             <a:r>
-              <a:rPr kumimoji="1" lang="en-US" altLang="zh-TW" i="1" dirty="0" smtClean="0">
+              <a:rPr kumimoji="1" lang="en-US" altLang="zh-TW" sz="1400" i="1" dirty="0" smtClean="0">
                 <a:latin typeface="Arial"/>
                 <a:cs typeface="Arial"/>
               </a:rPr>
               <a:t>H</a:t>
             </a:r>
             <a:r>
-              <a:rPr kumimoji="1" lang="en-US" altLang="zh-TW" i="1" baseline="-25000" dirty="0" smtClean="0">
+              <a:rPr kumimoji="1" lang="en-US" altLang="zh-TW" sz="1400" i="1" baseline="-25000" dirty="0" smtClean="0">
                 <a:latin typeface="Arial"/>
                 <a:cs typeface="Arial"/>
               </a:rPr>
               <a:t>H</a:t>
             </a:r>
-            <a:endParaRPr kumimoji="1" lang="zh-TW" altLang="en-US" i="1" baseline="-25000" dirty="0">
+            <a:endParaRPr kumimoji="1" lang="zh-TW" altLang="en-US" sz="1400" i="1" baseline="-25000" dirty="0">
               <a:latin typeface="Arial"/>
               <a:cs typeface="Arial"/>
             </a:endParaRPr>
@@ -6696,8 +5774,8 @@
         </p:nvSpPr>
         <p:spPr>
           <a:xfrm rot="5400000">
-            <a:off x="3578240" y="913188"/>
-            <a:ext cx="249802" cy="961089"/>
+            <a:off x="3657038" y="1254435"/>
+            <a:ext cx="120697" cy="823670"/>
           </a:xfrm>
           <a:prstGeom prst="leftBrace">
             <a:avLst/>
@@ -6728,7 +5806,7 @@
           <a:lstStyle/>
           <a:p>
             <a:pPr algn="ctr"/>
-            <a:endParaRPr kumimoji="1" lang="zh-TW" altLang="en-US"/>
+            <a:endParaRPr kumimoji="1" lang="zh-TW" altLang="en-US" sz="1400"/>
           </a:p>
         </p:txBody>
       </p:sp>
@@ -6740,8 +5818,8 @@
         </p:nvSpPr>
         <p:spPr>
           <a:xfrm rot="5400000">
-            <a:off x="5146151" y="786869"/>
-            <a:ext cx="291226" cy="1255148"/>
+            <a:off x="5171533" y="1146427"/>
+            <a:ext cx="120697" cy="1039684"/>
           </a:xfrm>
           <a:prstGeom prst="leftBrace">
             <a:avLst/>
@@ -6772,7 +5850,7 @@
           <a:lstStyle/>
           <a:p>
             <a:pPr algn="ctr"/>
-            <a:endParaRPr kumimoji="1" lang="zh-TW" altLang="en-US"/>
+            <a:endParaRPr kumimoji="1" lang="zh-TW" altLang="en-US" sz="1400"/>
           </a:p>
         </p:txBody>
       </p:sp>
@@ -6784,8 +5862,8 @@
         </p:nvSpPr>
         <p:spPr>
           <a:xfrm>
-            <a:off x="3469330" y="935087"/>
-            <a:ext cx="452027" cy="369332"/>
+            <a:off x="3547928" y="1360751"/>
+            <a:ext cx="398011" cy="307777"/>
           </a:xfrm>
           <a:prstGeom prst="rect">
             <a:avLst/>
@@ -6799,13 +5877,13 @@
           <a:lstStyle/>
           <a:p>
             <a:r>
-              <a:rPr kumimoji="1" lang="en-US" altLang="zh-TW" i="1" dirty="0" smtClean="0">
+              <a:rPr kumimoji="1" lang="en-US" altLang="zh-TW" sz="1400" i="1" dirty="0" smtClean="0">
                 <a:latin typeface="Arial"/>
                 <a:cs typeface="Arial"/>
               </a:rPr>
               <a:t>W</a:t>
             </a:r>
-            <a:endParaRPr kumimoji="1" lang="zh-TW" altLang="en-US" i="1" baseline="-25000" dirty="0">
+            <a:endParaRPr kumimoji="1" lang="zh-TW" altLang="en-US" sz="1400" i="1" baseline="-25000" dirty="0">
               <a:latin typeface="Arial"/>
               <a:cs typeface="Arial"/>
             </a:endParaRPr>
@@ -6820,8 +5898,8 @@
         </p:nvSpPr>
         <p:spPr>
           <a:xfrm>
-            <a:off x="5111653" y="945540"/>
-            <a:ext cx="396444" cy="369332"/>
+            <a:off x="5085250" y="1375355"/>
+            <a:ext cx="350267" cy="307777"/>
           </a:xfrm>
           <a:prstGeom prst="rect">
             <a:avLst/>
@@ -6835,13 +5913,13 @@
           <a:lstStyle/>
           <a:p>
             <a:r>
-              <a:rPr kumimoji="1" lang="en-US" altLang="zh-TW" i="1" dirty="0" smtClean="0">
+              <a:rPr kumimoji="1" lang="en-US" altLang="zh-TW" sz="1400" i="1" dirty="0" smtClean="0">
                 <a:latin typeface="Arial"/>
                 <a:cs typeface="Arial"/>
               </a:rPr>
               <a:t>H</a:t>
             </a:r>
-            <a:endParaRPr kumimoji="1" lang="zh-TW" altLang="en-US" i="1" baseline="-25000" dirty="0">
+            <a:endParaRPr kumimoji="1" lang="zh-TW" altLang="en-US" sz="1400" i="1" baseline="-25000" dirty="0">
               <a:latin typeface="Arial"/>
               <a:cs typeface="Arial"/>
             </a:endParaRPr>

--- a/cw ismir2014/cw_ismir2014_plots.pptx
+++ b/cw ismir2014/cw_ismir2014_plots.pptx
@@ -3868,7 +3868,7 @@
         </p:nvSpPr>
         <p:spPr>
           <a:xfrm>
-            <a:off x="983498" y="1275185"/>
+            <a:off x="1007756" y="1568964"/>
             <a:ext cx="857627" cy="584776"/>
           </a:xfrm>
           <a:prstGeom prst="rect">
@@ -3882,6 +3882,7 @@
           </a:bodyPr>
           <a:lstStyle/>
           <a:p>
+            <a:pPr algn="ctr"/>
             <a:r>
               <a:rPr kumimoji="1" lang="en-US" altLang="zh-TW" sz="1600" dirty="0" smtClean="0">
                 <a:latin typeface="Arial"/>
@@ -3891,6 +3892,7 @@
             </a:r>
           </a:p>
           <a:p>
+            <a:pPr algn="ctr"/>
             <a:r>
               <a:rPr kumimoji="1" lang="en-US" altLang="zh-TW" sz="1600" dirty="0" smtClean="0">
                 <a:latin typeface="Arial"/>
@@ -3913,8 +3915,8 @@
         </p:nvSpPr>
         <p:spPr>
           <a:xfrm>
-            <a:off x="7162017" y="947738"/>
-            <a:ext cx="1551702" cy="584776"/>
+            <a:off x="6607285" y="1254008"/>
+            <a:ext cx="1027620" cy="338554"/>
           </a:xfrm>
           <a:prstGeom prst="rect">
             <a:avLst/>
@@ -3927,12 +3929,13 @@
           </a:bodyPr>
           <a:lstStyle/>
           <a:p>
+            <a:pPr algn="ctr"/>
             <a:r>
               <a:rPr kumimoji="1" lang="en-US" altLang="zh-TW" sz="1600" dirty="0" smtClean="0">
                 <a:latin typeface="Arial"/>
                 <a:cs typeface="Arial"/>
               </a:rPr>
-              <a:t>Classification Results</a:t>
+              <a:t>Results</a:t>
             </a:r>
             <a:endParaRPr kumimoji="1" lang="zh-TW" altLang="en-US" sz="1600" dirty="0">
               <a:latin typeface="Arial"/>
@@ -3949,10 +3952,10 @@
         </p:nvGrpSpPr>
         <p:grpSpPr>
           <a:xfrm>
-            <a:off x="4203215" y="656682"/>
-            <a:ext cx="1283752" cy="1185934"/>
-            <a:chOff x="4555608" y="1573855"/>
-            <a:chExt cx="2257354" cy="607452"/>
+            <a:off x="4180280" y="656681"/>
+            <a:ext cx="971660" cy="1562405"/>
+            <a:chOff x="4375488" y="1573855"/>
+            <a:chExt cx="2437474" cy="607452"/>
           </a:xfrm>
         </p:grpSpPr>
         <p:sp>
@@ -4008,8 +4011,8 @@
           </p:nvSpPr>
           <p:spPr>
             <a:xfrm>
-              <a:off x="4641536" y="1686960"/>
-              <a:ext cx="2058579" cy="277435"/>
+              <a:off x="4375488" y="1707494"/>
+              <a:ext cx="2437474" cy="323086"/>
             </a:xfrm>
             <a:prstGeom prst="rect">
               <a:avLst/>
@@ -4022,6 +4025,7 @@
             </a:bodyPr>
             <a:lstStyle/>
             <a:p>
+              <a:pPr algn="ctr"/>
               <a:r>
                 <a:rPr kumimoji="1" lang="en-US" altLang="zh-TW" sz="1600" dirty="0" smtClean="0">
                   <a:latin typeface="Arial"/>
@@ -4059,10 +4063,10 @@
         </p:nvGrpSpPr>
         <p:grpSpPr>
           <a:xfrm>
-            <a:off x="5750598" y="630024"/>
-            <a:ext cx="1222684" cy="1220204"/>
-            <a:chOff x="4555608" y="1573855"/>
-            <a:chExt cx="1988788" cy="607452"/>
+            <a:off x="5357572" y="615424"/>
+            <a:ext cx="1167862" cy="1589062"/>
+            <a:chOff x="4418723" y="1573855"/>
+            <a:chExt cx="2190232" cy="607452"/>
           </a:xfrm>
         </p:grpSpPr>
         <p:sp>
@@ -4118,8 +4122,8 @@
           </p:nvSpPr>
           <p:spPr>
             <a:xfrm>
-              <a:off x="4695040" y="1669926"/>
-              <a:ext cx="1849356" cy="313631"/>
+              <a:off x="4418723" y="1743620"/>
+              <a:ext cx="2190232" cy="223543"/>
             </a:xfrm>
             <a:prstGeom prst="rect">
               <a:avLst/>
@@ -4132,6 +4136,7 @@
             </a:bodyPr>
             <a:lstStyle/>
             <a:p>
+              <a:pPr algn="ctr"/>
               <a:r>
                 <a:rPr kumimoji="1" lang="en-US" altLang="zh-TW" sz="1600" dirty="0" smtClean="0">
                   <a:latin typeface="Arial"/>
@@ -4229,7 +4234,7 @@
         </p:nvSpPr>
         <p:spPr>
           <a:xfrm>
-            <a:off x="983498" y="570511"/>
+            <a:off x="1012694" y="614308"/>
             <a:ext cx="857627" cy="584776"/>
           </a:xfrm>
           <a:prstGeom prst="rect">
@@ -4243,6 +4248,7 @@
           </a:bodyPr>
           <a:lstStyle/>
           <a:p>
+            <a:pPr algn="ctr"/>
             <a:r>
               <a:rPr kumimoji="1" lang="en-US" altLang="zh-TW" sz="1600" dirty="0" smtClean="0">
                 <a:latin typeface="Arial"/>
@@ -4252,6 +4258,7 @@
             </a:r>
           </a:p>
           <a:p>
+            <a:pPr algn="ctr"/>
             <a:r>
               <a:rPr kumimoji="1" lang="en-US" altLang="zh-TW" sz="1600" dirty="0" smtClean="0">
                 <a:latin typeface="Arial"/>
@@ -4274,9 +4281,9 @@
         </p:nvGrpSpPr>
         <p:grpSpPr>
           <a:xfrm>
-            <a:off x="2086216" y="698133"/>
-            <a:ext cx="791050" cy="1144484"/>
-            <a:chOff x="2995963" y="1573854"/>
+            <a:off x="2027824" y="698132"/>
+            <a:ext cx="791050" cy="1520953"/>
+            <a:chOff x="2750635" y="1573854"/>
             <a:chExt cx="3323505" cy="400843"/>
           </a:xfrm>
         </p:grpSpPr>
@@ -4333,8 +4340,8 @@
           </p:nvSpPr>
           <p:spPr>
             <a:xfrm>
-              <a:off x="2995963" y="1690341"/>
-              <a:ext cx="3323505" cy="85199"/>
+              <a:off x="2750635" y="1721118"/>
+              <a:ext cx="3323505" cy="89225"/>
             </a:xfrm>
             <a:prstGeom prst="rect">
               <a:avLst/>
@@ -4347,6 +4354,7 @@
             </a:bodyPr>
             <a:lstStyle/>
             <a:p>
+              <a:pPr algn="ctr"/>
               <a:r>
                 <a:rPr kumimoji="1" lang="en-US" altLang="zh-TW" sz="1600" dirty="0" smtClean="0">
                   <a:latin typeface="Arial"/>
@@ -4370,7 +4378,7 @@
         </p:nvGrpSpPr>
         <p:grpSpPr>
           <a:xfrm>
-            <a:off x="2918410" y="689056"/>
+            <a:off x="2933008" y="689056"/>
             <a:ext cx="1096975" cy="607452"/>
             <a:chOff x="4555608" y="1573855"/>
             <a:chExt cx="1151917" cy="607452"/>
@@ -4443,6 +4451,7 @@
             </a:bodyPr>
             <a:lstStyle/>
             <a:p>
+              <a:pPr algn="ctr"/>
               <a:r>
                 <a:rPr kumimoji="1" lang="en-US" altLang="zh-TW" sz="1600" dirty="0" smtClean="0">
                   <a:latin typeface="Arial"/>
@@ -4452,6 +4461,7 @@
               </a:r>
             </a:p>
             <a:p>
+              <a:pPr algn="ctr"/>
               <a:r>
                 <a:rPr kumimoji="1" lang="en-US" altLang="zh-TW" sz="1600" dirty="0" smtClean="0">
                   <a:latin typeface="Arial"/>
@@ -4470,16 +4480,13 @@
       <p:cxnSp>
         <p:nvCxnSpPr>
           <p:cNvPr id="99" name="直線箭頭接點 98"/>
-          <p:cNvCxnSpPr>
-            <a:stCxn id="68" idx="3"/>
-            <a:endCxn id="71" idx="1"/>
-          </p:cNvCxnSpPr>
+          <p:cNvCxnSpPr/>
           <p:nvPr/>
         </p:nvCxnSpPr>
         <p:spPr>
           <a:xfrm flipV="1">
-            <a:off x="5486967" y="1240126"/>
-            <a:ext cx="263631" cy="9523"/>
+            <a:off x="5166538" y="1424556"/>
+            <a:ext cx="278622" cy="13328"/>
           </a:xfrm>
           <a:prstGeom prst="straightConnector1">
             <a:avLst/>
@@ -4515,7 +4522,7 @@
         </p:nvCxnSpPr>
         <p:spPr>
           <a:xfrm>
-            <a:off x="2729879" y="1586050"/>
+            <a:off x="2760415" y="1859961"/>
             <a:ext cx="1442800" cy="0"/>
           </a:xfrm>
           <a:prstGeom prst="straightConnector1">
@@ -4589,7 +4596,7 @@
         </p:nvCxnSpPr>
         <p:spPr>
           <a:xfrm>
-            <a:off x="1768135" y="1595380"/>
+            <a:off x="1777795" y="1859961"/>
             <a:ext cx="361875" cy="0"/>
           </a:xfrm>
           <a:prstGeom prst="straightConnector1">
@@ -4626,7 +4633,7 @@
         </p:nvCxnSpPr>
         <p:spPr>
           <a:xfrm>
-            <a:off x="6911981" y="1249649"/>
+            <a:off x="6474033" y="1436614"/>
             <a:ext cx="250036" cy="0"/>
           </a:xfrm>
           <a:prstGeom prst="straightConnector1">
@@ -4655,6 +4662,659 @@
           </a:fontRef>
         </p:style>
       </p:cxnSp>
+      <p:sp>
+        <p:nvSpPr>
+          <p:cNvPr id="78" name="矩形 77"/>
+          <p:cNvSpPr/>
+          <p:nvPr/>
+        </p:nvSpPr>
+        <p:spPr>
+          <a:xfrm>
+            <a:off x="1182584" y="5555483"/>
+            <a:ext cx="820986" cy="707062"/>
+          </a:xfrm>
+          <a:prstGeom prst="rect">
+            <a:avLst/>
+          </a:prstGeom>
+          <a:noFill/>
+          <a:ln>
+            <a:solidFill>
+              <a:schemeClr val="tx1"/>
+            </a:solidFill>
+          </a:ln>
+          <a:effectLst/>
+        </p:spPr>
+        <p:style>
+          <a:lnRef idx="1">
+            <a:schemeClr val="accent1"/>
+          </a:lnRef>
+          <a:fillRef idx="3">
+            <a:schemeClr val="accent1"/>
+          </a:fillRef>
+          <a:effectRef idx="2">
+            <a:schemeClr val="accent1"/>
+          </a:effectRef>
+          <a:fontRef idx="minor">
+            <a:schemeClr val="lt1"/>
+          </a:fontRef>
+        </p:style>
+        <p:txBody>
+          <a:bodyPr rtlCol="0" anchor="ctr"/>
+          <a:lstStyle/>
+          <a:p>
+            <a:pPr algn="ctr"/>
+            <a:endParaRPr kumimoji="1" lang="zh-TW" altLang="en-US" sz="1400" i="1"/>
+          </a:p>
+        </p:txBody>
+      </p:sp>
+      <p:sp>
+        <p:nvSpPr>
+          <p:cNvPr id="79" name="文字方塊 78"/>
+          <p:cNvSpPr txBox="1"/>
+          <p:nvPr/>
+        </p:nvSpPr>
+        <p:spPr>
+          <a:xfrm>
+            <a:off x="1438139" y="5777850"/>
+            <a:ext cx="354254" cy="307777"/>
+          </a:xfrm>
+          <a:prstGeom prst="rect">
+            <a:avLst/>
+          </a:prstGeom>
+          <a:noFill/>
+        </p:spPr>
+        <p:txBody>
+          <a:bodyPr wrap="none" rtlCol="0">
+            <a:spAutoFit/>
+          </a:bodyPr>
+          <a:lstStyle/>
+          <a:p>
+            <a:r>
+              <a:rPr kumimoji="1" lang="en-US" altLang="zh-TW" sz="1400" i="1" dirty="0">
+                <a:latin typeface="Arial"/>
+                <a:cs typeface="Arial"/>
+              </a:rPr>
+              <a:t>V</a:t>
+            </a:r>
+            <a:endParaRPr kumimoji="1" lang="zh-TW" altLang="en-US" sz="1400" i="1" dirty="0">
+              <a:latin typeface="Arial"/>
+              <a:cs typeface="Arial"/>
+            </a:endParaRPr>
+          </a:p>
+        </p:txBody>
+      </p:sp>
+      <p:sp>
+        <p:nvSpPr>
+          <p:cNvPr id="80" name="文字方塊 79"/>
+          <p:cNvSpPr txBox="1"/>
+          <p:nvPr/>
+        </p:nvSpPr>
+        <p:spPr>
+          <a:xfrm>
+            <a:off x="2130191" y="5747857"/>
+            <a:ext cx="326031" cy="307777"/>
+          </a:xfrm>
+          <a:prstGeom prst="rect">
+            <a:avLst/>
+          </a:prstGeom>
+          <a:noFill/>
+        </p:spPr>
+        <p:txBody>
+          <a:bodyPr wrap="none" rtlCol="0">
+            <a:spAutoFit/>
+          </a:bodyPr>
+          <a:lstStyle/>
+          <a:p>
+            <a:r>
+              <a:rPr kumimoji="1" lang="en-US" altLang="zh-TW" sz="1400" i="1" dirty="0" smtClean="0"/>
+              <a:t>=</a:t>
+            </a:r>
+            <a:endParaRPr kumimoji="1" lang="zh-TW" altLang="en-US" sz="1400" i="1" dirty="0"/>
+          </a:p>
+        </p:txBody>
+      </p:sp>
+      <p:sp>
+        <p:nvSpPr>
+          <p:cNvPr id="83" name="文字方塊 82"/>
+          <p:cNvSpPr txBox="1"/>
+          <p:nvPr/>
+        </p:nvSpPr>
+        <p:spPr>
+          <a:xfrm>
+            <a:off x="2561862" y="5748652"/>
+            <a:ext cx="476358" cy="307777"/>
+          </a:xfrm>
+          <a:prstGeom prst="rect">
+            <a:avLst/>
+          </a:prstGeom>
+          <a:noFill/>
+        </p:spPr>
+        <p:txBody>
+          <a:bodyPr wrap="none" rtlCol="0">
+            <a:spAutoFit/>
+          </a:bodyPr>
+          <a:lstStyle/>
+          <a:p>
+            <a:r>
+              <a:rPr kumimoji="1" lang="en-US" altLang="zh-TW" sz="1400" i="1" dirty="0" smtClean="0">
+                <a:latin typeface="Arial"/>
+                <a:cs typeface="Arial"/>
+              </a:rPr>
+              <a:t>W</a:t>
+            </a:r>
+            <a:r>
+              <a:rPr kumimoji="1" lang="en-US" altLang="zh-TW" sz="1400" i="1" baseline="-25000" dirty="0" smtClean="0">
+                <a:latin typeface="Arial"/>
+                <a:cs typeface="Arial"/>
+              </a:rPr>
+              <a:t>D</a:t>
+            </a:r>
+            <a:endParaRPr kumimoji="1" lang="zh-TW" altLang="en-US" sz="1400" i="1" baseline="-25000" dirty="0">
+              <a:latin typeface="Arial"/>
+              <a:cs typeface="Arial"/>
+            </a:endParaRPr>
+          </a:p>
+        </p:txBody>
+      </p:sp>
+      <p:sp>
+        <p:nvSpPr>
+          <p:cNvPr id="86" name="文字方塊 85"/>
+          <p:cNvSpPr txBox="1"/>
+          <p:nvPr/>
+        </p:nvSpPr>
+        <p:spPr>
+          <a:xfrm>
+            <a:off x="2885758" y="5748652"/>
+            <a:ext cx="476358" cy="307777"/>
+          </a:xfrm>
+          <a:prstGeom prst="rect">
+            <a:avLst/>
+          </a:prstGeom>
+          <a:noFill/>
+        </p:spPr>
+        <p:txBody>
+          <a:bodyPr wrap="none" rtlCol="0">
+            <a:spAutoFit/>
+          </a:bodyPr>
+          <a:lstStyle/>
+          <a:p>
+            <a:r>
+              <a:rPr kumimoji="1" lang="en-US" altLang="zh-TW" sz="1400" i="1" dirty="0" smtClean="0">
+                <a:latin typeface="Arial"/>
+                <a:cs typeface="Arial"/>
+              </a:rPr>
+              <a:t>W</a:t>
+            </a:r>
+            <a:r>
+              <a:rPr kumimoji="1" lang="en-US" altLang="zh-TW" sz="1400" i="1" baseline="-25000" dirty="0" smtClean="0">
+                <a:latin typeface="Arial"/>
+                <a:cs typeface="Arial"/>
+              </a:rPr>
+              <a:t>H</a:t>
+            </a:r>
+            <a:endParaRPr kumimoji="1" lang="zh-TW" altLang="en-US" sz="1400" i="1" baseline="-25000" dirty="0">
+              <a:latin typeface="Arial"/>
+              <a:cs typeface="Arial"/>
+            </a:endParaRPr>
+          </a:p>
+        </p:txBody>
+      </p:sp>
+      <p:sp>
+        <p:nvSpPr>
+          <p:cNvPr id="88" name="文字方塊 87"/>
+          <p:cNvSpPr txBox="1"/>
+          <p:nvPr/>
+        </p:nvSpPr>
+        <p:spPr>
+          <a:xfrm>
+            <a:off x="3474889" y="5718659"/>
+            <a:ext cx="262424" cy="307777"/>
+          </a:xfrm>
+          <a:prstGeom prst="rect">
+            <a:avLst/>
+          </a:prstGeom>
+          <a:noFill/>
+        </p:spPr>
+        <p:txBody>
+          <a:bodyPr wrap="none" rtlCol="0">
+            <a:spAutoFit/>
+          </a:bodyPr>
+          <a:lstStyle/>
+          <a:p>
+            <a:r>
+              <a:rPr kumimoji="1" lang="en-US" altLang="zh-TW" sz="1400" dirty="0"/>
+              <a:t>x</a:t>
+            </a:r>
+            <a:endParaRPr kumimoji="1" lang="zh-TW" altLang="en-US" sz="1400" dirty="0"/>
+          </a:p>
+        </p:txBody>
+      </p:sp>
+      <p:sp>
+        <p:nvSpPr>
+          <p:cNvPr id="89" name="矩形 88"/>
+          <p:cNvSpPr/>
+          <p:nvPr/>
+        </p:nvSpPr>
+        <p:spPr>
+          <a:xfrm>
+            <a:off x="3919796" y="5537024"/>
+            <a:ext cx="809993" cy="278579"/>
+          </a:xfrm>
+          <a:prstGeom prst="rect">
+            <a:avLst/>
+          </a:prstGeom>
+          <a:noFill/>
+          <a:ln>
+            <a:solidFill>
+              <a:schemeClr val="tx1"/>
+            </a:solidFill>
+          </a:ln>
+          <a:effectLst/>
+        </p:spPr>
+        <p:style>
+          <a:lnRef idx="1">
+            <a:schemeClr val="accent1"/>
+          </a:lnRef>
+          <a:fillRef idx="3">
+            <a:schemeClr val="accent1"/>
+          </a:fillRef>
+          <a:effectRef idx="2">
+            <a:schemeClr val="accent1"/>
+          </a:effectRef>
+          <a:fontRef idx="minor">
+            <a:schemeClr val="lt1"/>
+          </a:fontRef>
+        </p:style>
+        <p:txBody>
+          <a:bodyPr rtlCol="0" anchor="ctr"/>
+          <a:lstStyle/>
+          <a:p>
+            <a:pPr algn="ctr"/>
+            <a:endParaRPr kumimoji="1" lang="zh-TW" altLang="en-US" sz="1400" i="1"/>
+          </a:p>
+        </p:txBody>
+      </p:sp>
+      <p:sp>
+        <p:nvSpPr>
+          <p:cNvPr id="90" name="文字方塊 89"/>
+          <p:cNvSpPr txBox="1"/>
+          <p:nvPr/>
+        </p:nvSpPr>
+        <p:spPr>
+          <a:xfrm>
+            <a:off x="4102264" y="5484295"/>
+            <a:ext cx="787136" cy="307777"/>
+          </a:xfrm>
+          <a:prstGeom prst="rect">
+            <a:avLst/>
+          </a:prstGeom>
+          <a:noFill/>
+        </p:spPr>
+        <p:txBody>
+          <a:bodyPr wrap="square" rtlCol="0">
+            <a:spAutoFit/>
+          </a:bodyPr>
+          <a:lstStyle/>
+          <a:p>
+            <a:r>
+              <a:rPr kumimoji="1" lang="en-US" altLang="zh-TW" sz="1400" i="1" dirty="0" smtClean="0">
+                <a:latin typeface="Arial"/>
+                <a:cs typeface="Arial"/>
+              </a:rPr>
+              <a:t>H</a:t>
+            </a:r>
+            <a:r>
+              <a:rPr kumimoji="1" lang="en-US" altLang="zh-TW" sz="1400" i="1" baseline="-25000" dirty="0" smtClean="0">
+                <a:latin typeface="Arial"/>
+                <a:cs typeface="Arial"/>
+              </a:rPr>
+              <a:t>D</a:t>
+            </a:r>
+            <a:endParaRPr kumimoji="1" lang="zh-TW" altLang="en-US" sz="1400" i="1" baseline="-25000" dirty="0">
+              <a:latin typeface="Arial"/>
+              <a:cs typeface="Arial"/>
+            </a:endParaRPr>
+          </a:p>
+        </p:txBody>
+      </p:sp>
+      <p:sp>
+        <p:nvSpPr>
+          <p:cNvPr id="103" name="矩形 102"/>
+          <p:cNvSpPr/>
+          <p:nvPr/>
+        </p:nvSpPr>
+        <p:spPr>
+          <a:xfrm>
+            <a:off x="3919796" y="5815603"/>
+            <a:ext cx="809993" cy="280660"/>
+          </a:xfrm>
+          <a:prstGeom prst="rect">
+            <a:avLst/>
+          </a:prstGeom>
+          <a:noFill/>
+          <a:ln>
+            <a:solidFill>
+              <a:schemeClr val="tx1"/>
+            </a:solidFill>
+          </a:ln>
+          <a:effectLst/>
+        </p:spPr>
+        <p:style>
+          <a:lnRef idx="1">
+            <a:schemeClr val="accent1"/>
+          </a:lnRef>
+          <a:fillRef idx="3">
+            <a:schemeClr val="accent1"/>
+          </a:fillRef>
+          <a:effectRef idx="2">
+            <a:schemeClr val="accent1"/>
+          </a:effectRef>
+          <a:fontRef idx="minor">
+            <a:schemeClr val="lt1"/>
+          </a:fontRef>
+        </p:style>
+        <p:txBody>
+          <a:bodyPr rtlCol="0" anchor="ctr"/>
+          <a:lstStyle/>
+          <a:p>
+            <a:pPr algn="ctr"/>
+            <a:endParaRPr kumimoji="1" lang="zh-TW" altLang="en-US" sz="1400" i="1"/>
+          </a:p>
+        </p:txBody>
+      </p:sp>
+      <p:sp>
+        <p:nvSpPr>
+          <p:cNvPr id="106" name="文字方塊 105"/>
+          <p:cNvSpPr txBox="1"/>
+          <p:nvPr/>
+        </p:nvSpPr>
+        <p:spPr>
+          <a:xfrm>
+            <a:off x="4088376" y="5788486"/>
+            <a:ext cx="582054" cy="307777"/>
+          </a:xfrm>
+          <a:prstGeom prst="rect">
+            <a:avLst/>
+          </a:prstGeom>
+          <a:noFill/>
+        </p:spPr>
+        <p:txBody>
+          <a:bodyPr wrap="square" rtlCol="0">
+            <a:spAutoFit/>
+          </a:bodyPr>
+          <a:lstStyle/>
+          <a:p>
+            <a:r>
+              <a:rPr kumimoji="1" lang="en-US" altLang="zh-TW" sz="1400" i="1" dirty="0" smtClean="0">
+                <a:latin typeface="Arial"/>
+                <a:cs typeface="Arial"/>
+              </a:rPr>
+              <a:t>H</a:t>
+            </a:r>
+            <a:r>
+              <a:rPr kumimoji="1" lang="en-US" altLang="zh-TW" sz="1400" i="1" baseline="-25000" dirty="0" smtClean="0">
+                <a:latin typeface="Arial"/>
+                <a:cs typeface="Arial"/>
+              </a:rPr>
+              <a:t>H</a:t>
+            </a:r>
+            <a:endParaRPr kumimoji="1" lang="zh-TW" altLang="en-US" sz="1400" i="1" baseline="-25000" dirty="0">
+              <a:latin typeface="Arial"/>
+              <a:cs typeface="Arial"/>
+            </a:endParaRPr>
+          </a:p>
+        </p:txBody>
+      </p:sp>
+      <p:sp>
+        <p:nvSpPr>
+          <p:cNvPr id="107" name="左大括弧 106"/>
+          <p:cNvSpPr/>
+          <p:nvPr/>
+        </p:nvSpPr>
+        <p:spPr>
+          <a:xfrm rot="5400000">
+            <a:off x="2848312" y="5150020"/>
+            <a:ext cx="168355" cy="642575"/>
+          </a:xfrm>
+          <a:prstGeom prst="leftBrace">
+            <a:avLst/>
+          </a:prstGeom>
+          <a:ln>
+            <a:solidFill>
+              <a:schemeClr val="tx1"/>
+            </a:solidFill>
+          </a:ln>
+          <a:effectLst/>
+        </p:spPr>
+        <p:style>
+          <a:lnRef idx="2">
+            <a:schemeClr val="accent1"/>
+          </a:lnRef>
+          <a:fillRef idx="0">
+            <a:schemeClr val="accent1"/>
+          </a:fillRef>
+          <a:effectRef idx="1">
+            <a:schemeClr val="accent1"/>
+          </a:effectRef>
+          <a:fontRef idx="minor">
+            <a:schemeClr val="tx1"/>
+          </a:fontRef>
+        </p:style>
+        <p:txBody>
+          <a:bodyPr rtlCol="0" anchor="ctr"/>
+          <a:lstStyle/>
+          <a:p>
+            <a:pPr algn="ctr"/>
+            <a:endParaRPr kumimoji="1" lang="zh-TW" altLang="en-US" sz="1400"/>
+          </a:p>
+        </p:txBody>
+      </p:sp>
+      <p:sp>
+        <p:nvSpPr>
+          <p:cNvPr id="108" name="左大括弧 107"/>
+          <p:cNvSpPr/>
+          <p:nvPr/>
+        </p:nvSpPr>
+        <p:spPr>
+          <a:xfrm rot="5400000">
+            <a:off x="4266472" y="5073708"/>
+            <a:ext cx="120700" cy="776739"/>
+          </a:xfrm>
+          <a:prstGeom prst="leftBrace">
+            <a:avLst/>
+          </a:prstGeom>
+          <a:ln>
+            <a:solidFill>
+              <a:schemeClr val="tx1"/>
+            </a:solidFill>
+          </a:ln>
+          <a:effectLst/>
+        </p:spPr>
+        <p:style>
+          <a:lnRef idx="2">
+            <a:schemeClr val="accent1"/>
+          </a:lnRef>
+          <a:fillRef idx="0">
+            <a:schemeClr val="accent1"/>
+          </a:fillRef>
+          <a:effectRef idx="1">
+            <a:schemeClr val="accent1"/>
+          </a:effectRef>
+          <a:fontRef idx="minor">
+            <a:schemeClr val="tx1"/>
+          </a:fontRef>
+        </p:style>
+        <p:txBody>
+          <a:bodyPr rtlCol="0" anchor="ctr"/>
+          <a:lstStyle/>
+          <a:p>
+            <a:pPr algn="ctr"/>
+            <a:endParaRPr kumimoji="1" lang="zh-TW" altLang="en-US" sz="1400"/>
+          </a:p>
+        </p:txBody>
+      </p:sp>
+      <p:sp>
+        <p:nvSpPr>
+          <p:cNvPr id="109" name="文字方塊 108"/>
+          <p:cNvSpPr txBox="1"/>
+          <p:nvPr/>
+        </p:nvSpPr>
+        <p:spPr>
+          <a:xfrm>
+            <a:off x="2759742" y="5141959"/>
+            <a:ext cx="398011" cy="307777"/>
+          </a:xfrm>
+          <a:prstGeom prst="rect">
+            <a:avLst/>
+          </a:prstGeom>
+          <a:noFill/>
+        </p:spPr>
+        <p:txBody>
+          <a:bodyPr wrap="none" rtlCol="0">
+            <a:spAutoFit/>
+          </a:bodyPr>
+          <a:lstStyle/>
+          <a:p>
+            <a:r>
+              <a:rPr kumimoji="1" lang="en-US" altLang="zh-TW" sz="1400" i="1" dirty="0" smtClean="0">
+                <a:latin typeface="Arial"/>
+                <a:cs typeface="Arial"/>
+              </a:rPr>
+              <a:t>W</a:t>
+            </a:r>
+            <a:endParaRPr kumimoji="1" lang="zh-TW" altLang="en-US" sz="1400" i="1" baseline="-25000" dirty="0">
+              <a:latin typeface="Arial"/>
+              <a:cs typeface="Arial"/>
+            </a:endParaRPr>
+          </a:p>
+        </p:txBody>
+      </p:sp>
+      <p:sp>
+        <p:nvSpPr>
+          <p:cNvPr id="110" name="文字方塊 109"/>
+          <p:cNvSpPr txBox="1"/>
+          <p:nvPr/>
+        </p:nvSpPr>
+        <p:spPr>
+          <a:xfrm>
+            <a:off x="4180280" y="5156563"/>
+            <a:ext cx="350267" cy="307777"/>
+          </a:xfrm>
+          <a:prstGeom prst="rect">
+            <a:avLst/>
+          </a:prstGeom>
+          <a:noFill/>
+        </p:spPr>
+        <p:txBody>
+          <a:bodyPr wrap="none" rtlCol="0">
+            <a:spAutoFit/>
+          </a:bodyPr>
+          <a:lstStyle/>
+          <a:p>
+            <a:r>
+              <a:rPr kumimoji="1" lang="en-US" altLang="zh-TW" sz="1400" i="1" dirty="0" smtClean="0">
+                <a:latin typeface="Arial"/>
+                <a:cs typeface="Arial"/>
+              </a:rPr>
+              <a:t>H</a:t>
+            </a:r>
+            <a:endParaRPr kumimoji="1" lang="zh-TW" altLang="en-US" sz="1400" i="1" baseline="-25000" dirty="0">
+              <a:latin typeface="Arial"/>
+              <a:cs typeface="Arial"/>
+            </a:endParaRPr>
+          </a:p>
+        </p:txBody>
+      </p:sp>
+      <p:sp>
+        <p:nvSpPr>
+          <p:cNvPr id="114" name="矩形 113"/>
+          <p:cNvSpPr/>
+          <p:nvPr/>
+        </p:nvSpPr>
+        <p:spPr>
+          <a:xfrm rot="5400000">
+            <a:off x="2419091" y="5747597"/>
+            <a:ext cx="707063" cy="322838"/>
+          </a:xfrm>
+          <a:prstGeom prst="rect">
+            <a:avLst/>
+          </a:prstGeom>
+          <a:noFill/>
+          <a:ln>
+            <a:solidFill>
+              <a:schemeClr val="tx1"/>
+            </a:solidFill>
+          </a:ln>
+          <a:effectLst/>
+        </p:spPr>
+        <p:style>
+          <a:lnRef idx="1">
+            <a:schemeClr val="accent1"/>
+          </a:lnRef>
+          <a:fillRef idx="3">
+            <a:schemeClr val="accent1"/>
+          </a:fillRef>
+          <a:effectRef idx="2">
+            <a:schemeClr val="accent1"/>
+          </a:effectRef>
+          <a:fontRef idx="minor">
+            <a:schemeClr val="lt1"/>
+          </a:fontRef>
+        </p:style>
+        <p:txBody>
+          <a:bodyPr rtlCol="0" anchor="ctr"/>
+          <a:lstStyle/>
+          <a:p>
+            <a:pPr algn="ctr"/>
+            <a:endParaRPr kumimoji="1" lang="zh-TW" altLang="en-US" sz="1400" i="1"/>
+          </a:p>
+        </p:txBody>
+      </p:sp>
+      <p:sp>
+        <p:nvSpPr>
+          <p:cNvPr id="115" name="矩形 114"/>
+          <p:cNvSpPr/>
+          <p:nvPr/>
+        </p:nvSpPr>
+        <p:spPr>
+          <a:xfrm rot="5400000">
+            <a:off x="2738828" y="5747598"/>
+            <a:ext cx="707063" cy="322838"/>
+          </a:xfrm>
+          <a:prstGeom prst="rect">
+            <a:avLst/>
+          </a:prstGeom>
+          <a:noFill/>
+          <a:ln>
+            <a:solidFill>
+              <a:schemeClr val="tx1"/>
+            </a:solidFill>
+          </a:ln>
+          <a:effectLst/>
+        </p:spPr>
+        <p:style>
+          <a:lnRef idx="1">
+            <a:schemeClr val="accent1"/>
+          </a:lnRef>
+          <a:fillRef idx="3">
+            <a:schemeClr val="accent1"/>
+          </a:fillRef>
+          <a:effectRef idx="2">
+            <a:schemeClr val="accent1"/>
+          </a:effectRef>
+          <a:fontRef idx="minor">
+            <a:schemeClr val="lt1"/>
+          </a:fontRef>
+        </p:style>
+        <p:txBody>
+          <a:bodyPr rtlCol="0" anchor="ctr"/>
+          <a:lstStyle/>
+          <a:p>
+            <a:pPr algn="ctr"/>
+            <a:endParaRPr kumimoji="1" lang="zh-TW" altLang="en-US" sz="1400" i="1"/>
+          </a:p>
+        </p:txBody>
+      </p:sp>
     </p:spTree>
     <p:extLst>
       <p:ext uri="{BB962C8B-B14F-4D97-AF65-F5344CB8AC3E}">
@@ -4693,7 +5353,7 @@
         </p:nvSpPr>
         <p:spPr>
           <a:xfrm>
-            <a:off x="2169628" y="2134350"/>
+            <a:off x="1964349" y="2134350"/>
             <a:ext cx="1614038" cy="338554"/>
           </a:xfrm>
           <a:prstGeom prst="rect">
@@ -4735,7 +5395,7 @@
         </p:nvSpPr>
         <p:spPr>
           <a:xfrm>
-            <a:off x="2169628" y="2852786"/>
+            <a:off x="1964349" y="2545878"/>
             <a:ext cx="1614038" cy="338554"/>
           </a:xfrm>
           <a:prstGeom prst="rect">
@@ -4777,7 +5437,7 @@
         </p:nvSpPr>
         <p:spPr>
           <a:xfrm>
-            <a:off x="2169628" y="3601903"/>
+            <a:off x="1964349" y="2944619"/>
             <a:ext cx="1614038" cy="338554"/>
           </a:xfrm>
           <a:prstGeom prst="rect">
@@ -4861,7 +5521,7 @@
         </p:nvSpPr>
         <p:spPr>
           <a:xfrm>
-            <a:off x="5193441" y="2852786"/>
+            <a:off x="5193441" y="2531300"/>
             <a:ext cx="1614038" cy="338554"/>
           </a:xfrm>
           <a:prstGeom prst="rect">
@@ -4903,7 +5563,7 @@
         </p:nvSpPr>
         <p:spPr>
           <a:xfrm>
-            <a:off x="5193441" y="3601903"/>
+            <a:off x="5193441" y="2944619"/>
             <a:ext cx="1614038" cy="338554"/>
           </a:xfrm>
           <a:prstGeom prst="rect">
@@ -4948,8 +5608,8 @@
         </p:nvCxnSpPr>
         <p:spPr>
           <a:xfrm>
-            <a:off x="3783666" y="2303627"/>
-            <a:ext cx="1409775" cy="718436"/>
+            <a:off x="3578387" y="2303627"/>
+            <a:ext cx="1615054" cy="396950"/>
           </a:xfrm>
           <a:prstGeom prst="straightConnector1">
             <a:avLst/>
@@ -4984,7 +5644,7 @@
         </p:nvSpPr>
         <p:spPr>
           <a:xfrm>
-            <a:off x="2169628" y="1736335"/>
+            <a:off x="1964349" y="1736335"/>
             <a:ext cx="1408759" cy="338554"/>
           </a:xfrm>
           <a:prstGeom prst="rect">
@@ -5020,7 +5680,7 @@
         </p:nvSpPr>
         <p:spPr>
           <a:xfrm>
-            <a:off x="5193441" y="1724123"/>
+            <a:off x="5339424" y="1724123"/>
             <a:ext cx="1325203" cy="338554"/>
           </a:xfrm>
           <a:prstGeom prst="rect">
@@ -5059,8 +5719,8 @@
         </p:nvCxnSpPr>
         <p:spPr>
           <a:xfrm>
-            <a:off x="3783666" y="2303627"/>
-            <a:ext cx="1409775" cy="1467553"/>
+            <a:off x="3578387" y="2303627"/>
+            <a:ext cx="1615054" cy="810269"/>
           </a:xfrm>
           <a:prstGeom prst="straightConnector1">
             <a:avLst/>
@@ -5098,8 +5758,8 @@
         </p:nvCxnSpPr>
         <p:spPr>
           <a:xfrm flipV="1">
-            <a:off x="3783666" y="2303627"/>
-            <a:ext cx="1409775" cy="718436"/>
+            <a:off x="3578387" y="2303627"/>
+            <a:ext cx="1615054" cy="411528"/>
           </a:xfrm>
           <a:prstGeom prst="straightConnector1">
             <a:avLst/>
@@ -5137,8 +5797,8 @@
         </p:nvCxnSpPr>
         <p:spPr>
           <a:xfrm>
-            <a:off x="3783666" y="3022063"/>
-            <a:ext cx="1409775" cy="749117"/>
+            <a:off x="3578387" y="2715155"/>
+            <a:ext cx="1615054" cy="398741"/>
           </a:xfrm>
           <a:prstGeom prst="straightConnector1">
             <a:avLst/>
@@ -5176,8 +5836,8 @@
         </p:nvCxnSpPr>
         <p:spPr>
           <a:xfrm flipV="1">
-            <a:off x="3783666" y="2303627"/>
-            <a:ext cx="1409775" cy="1467553"/>
+            <a:off x="3578387" y="2303627"/>
+            <a:ext cx="1615054" cy="810269"/>
           </a:xfrm>
           <a:prstGeom prst="straightConnector1">
             <a:avLst/>
@@ -5215,8 +5875,8 @@
         </p:nvCxnSpPr>
         <p:spPr>
           <a:xfrm flipV="1">
-            <a:off x="3783666" y="3022063"/>
-            <a:ext cx="1409775" cy="749117"/>
+            <a:off x="3578387" y="2700577"/>
+            <a:ext cx="1615054" cy="413319"/>
           </a:xfrm>
           <a:prstGeom prst="straightConnector1">
             <a:avLst/>
@@ -5273,659 +5933,6 @@
           <a:chExt cx="0" cy="0"/>
         </a:xfrm>
       </p:grpSpPr>
-      <p:sp>
-        <p:nvSpPr>
-          <p:cNvPr id="7" name="矩形 6"/>
-          <p:cNvSpPr/>
-          <p:nvPr/>
-        </p:nvSpPr>
-        <p:spPr>
-          <a:xfrm>
-            <a:off x="1941574" y="1774275"/>
-            <a:ext cx="820986" cy="707062"/>
-          </a:xfrm>
-          <a:prstGeom prst="rect">
-            <a:avLst/>
-          </a:prstGeom>
-          <a:noFill/>
-          <a:ln>
-            <a:solidFill>
-              <a:schemeClr val="tx1"/>
-            </a:solidFill>
-          </a:ln>
-          <a:effectLst/>
-        </p:spPr>
-        <p:style>
-          <a:lnRef idx="1">
-            <a:schemeClr val="accent1"/>
-          </a:lnRef>
-          <a:fillRef idx="3">
-            <a:schemeClr val="accent1"/>
-          </a:fillRef>
-          <a:effectRef idx="2">
-            <a:schemeClr val="accent1"/>
-          </a:effectRef>
-          <a:fontRef idx="minor">
-            <a:schemeClr val="lt1"/>
-          </a:fontRef>
-        </p:style>
-        <p:txBody>
-          <a:bodyPr rtlCol="0" anchor="ctr"/>
-          <a:lstStyle/>
-          <a:p>
-            <a:pPr algn="ctr"/>
-            <a:endParaRPr kumimoji="1" lang="zh-TW" altLang="en-US" sz="1400" i="1"/>
-          </a:p>
-        </p:txBody>
-      </p:sp>
-      <p:sp>
-        <p:nvSpPr>
-          <p:cNvPr id="8" name="文字方塊 7"/>
-          <p:cNvSpPr txBox="1"/>
-          <p:nvPr/>
-        </p:nvSpPr>
-        <p:spPr>
-          <a:xfrm>
-            <a:off x="2197129" y="1996642"/>
-            <a:ext cx="354254" cy="307777"/>
-          </a:xfrm>
-          <a:prstGeom prst="rect">
-            <a:avLst/>
-          </a:prstGeom>
-          <a:noFill/>
-        </p:spPr>
-        <p:txBody>
-          <a:bodyPr wrap="none" rtlCol="0">
-            <a:spAutoFit/>
-          </a:bodyPr>
-          <a:lstStyle/>
-          <a:p>
-            <a:r>
-              <a:rPr kumimoji="1" lang="en-US" altLang="zh-TW" sz="1400" i="1" dirty="0">
-                <a:latin typeface="Arial"/>
-                <a:cs typeface="Arial"/>
-              </a:rPr>
-              <a:t>V</a:t>
-            </a:r>
-            <a:endParaRPr kumimoji="1" lang="zh-TW" altLang="en-US" sz="1400" i="1" dirty="0">
-              <a:latin typeface="Arial"/>
-              <a:cs typeface="Arial"/>
-            </a:endParaRPr>
-          </a:p>
-        </p:txBody>
-      </p:sp>
-      <p:sp>
-        <p:nvSpPr>
-          <p:cNvPr id="12" name="文字方塊 11"/>
-          <p:cNvSpPr txBox="1"/>
-          <p:nvPr/>
-        </p:nvSpPr>
-        <p:spPr>
-          <a:xfrm>
-            <a:off x="2889181" y="1966649"/>
-            <a:ext cx="326031" cy="307777"/>
-          </a:xfrm>
-          <a:prstGeom prst="rect">
-            <a:avLst/>
-          </a:prstGeom>
-          <a:noFill/>
-        </p:spPr>
-        <p:txBody>
-          <a:bodyPr wrap="none" rtlCol="0">
-            <a:spAutoFit/>
-          </a:bodyPr>
-          <a:lstStyle/>
-          <a:p>
-            <a:r>
-              <a:rPr kumimoji="1" lang="en-US" altLang="zh-TW" sz="1400" i="1" dirty="0" smtClean="0"/>
-              <a:t>=</a:t>
-            </a:r>
-            <a:endParaRPr kumimoji="1" lang="zh-TW" altLang="en-US" sz="1400" i="1" dirty="0"/>
-          </a:p>
-        </p:txBody>
-      </p:sp>
-      <p:sp>
-        <p:nvSpPr>
-          <p:cNvPr id="13" name="矩形 12"/>
-          <p:cNvSpPr/>
-          <p:nvPr/>
-        </p:nvSpPr>
-        <p:spPr>
-          <a:xfrm>
-            <a:off x="3278447" y="1774812"/>
-            <a:ext cx="424693" cy="707062"/>
-          </a:xfrm>
-          <a:prstGeom prst="rect">
-            <a:avLst/>
-          </a:prstGeom>
-          <a:noFill/>
-          <a:ln>
-            <a:solidFill>
-              <a:schemeClr val="tx1"/>
-            </a:solidFill>
-          </a:ln>
-          <a:effectLst/>
-        </p:spPr>
-        <p:style>
-          <a:lnRef idx="1">
-            <a:schemeClr val="accent1"/>
-          </a:lnRef>
-          <a:fillRef idx="3">
-            <a:schemeClr val="accent1"/>
-          </a:fillRef>
-          <a:effectRef idx="2">
-            <a:schemeClr val="accent1"/>
-          </a:effectRef>
-          <a:fontRef idx="minor">
-            <a:schemeClr val="lt1"/>
-          </a:fontRef>
-        </p:style>
-        <p:txBody>
-          <a:bodyPr rtlCol="0" anchor="ctr"/>
-          <a:lstStyle/>
-          <a:p>
-            <a:pPr algn="ctr"/>
-            <a:endParaRPr kumimoji="1" lang="zh-TW" altLang="en-US" sz="1400" i="1"/>
-          </a:p>
-        </p:txBody>
-      </p:sp>
-      <p:sp>
-        <p:nvSpPr>
-          <p:cNvPr id="14" name="文字方塊 13"/>
-          <p:cNvSpPr txBox="1"/>
-          <p:nvPr/>
-        </p:nvSpPr>
-        <p:spPr>
-          <a:xfrm>
-            <a:off x="3262460" y="1996642"/>
-            <a:ext cx="476358" cy="307777"/>
-          </a:xfrm>
-          <a:prstGeom prst="rect">
-            <a:avLst/>
-          </a:prstGeom>
-          <a:noFill/>
-        </p:spPr>
-        <p:txBody>
-          <a:bodyPr wrap="none" rtlCol="0">
-            <a:spAutoFit/>
-          </a:bodyPr>
-          <a:lstStyle/>
-          <a:p>
-            <a:r>
-              <a:rPr kumimoji="1" lang="en-US" altLang="zh-TW" sz="1400" i="1" dirty="0" smtClean="0">
-                <a:latin typeface="Arial"/>
-                <a:cs typeface="Arial"/>
-              </a:rPr>
-              <a:t>W</a:t>
-            </a:r>
-            <a:r>
-              <a:rPr kumimoji="1" lang="en-US" altLang="zh-TW" sz="1400" i="1" baseline="-25000" dirty="0" smtClean="0">
-                <a:latin typeface="Arial"/>
-                <a:cs typeface="Arial"/>
-              </a:rPr>
-              <a:t>D</a:t>
-            </a:r>
-            <a:endParaRPr kumimoji="1" lang="zh-TW" altLang="en-US" sz="1400" i="1" baseline="-25000" dirty="0">
-              <a:latin typeface="Arial"/>
-              <a:cs typeface="Arial"/>
-            </a:endParaRPr>
-          </a:p>
-        </p:txBody>
-      </p:sp>
-      <p:sp>
-        <p:nvSpPr>
-          <p:cNvPr id="15" name="矩形 14"/>
-          <p:cNvSpPr/>
-          <p:nvPr/>
-        </p:nvSpPr>
-        <p:spPr>
-          <a:xfrm>
-            <a:off x="3704529" y="1774812"/>
-            <a:ext cx="424693" cy="707062"/>
-          </a:xfrm>
-          <a:prstGeom prst="rect">
-            <a:avLst/>
-          </a:prstGeom>
-          <a:noFill/>
-          <a:ln>
-            <a:solidFill>
-              <a:schemeClr val="tx1"/>
-            </a:solidFill>
-          </a:ln>
-          <a:effectLst/>
-        </p:spPr>
-        <p:style>
-          <a:lnRef idx="1">
-            <a:schemeClr val="accent1"/>
-          </a:lnRef>
-          <a:fillRef idx="3">
-            <a:schemeClr val="accent1"/>
-          </a:fillRef>
-          <a:effectRef idx="2">
-            <a:schemeClr val="accent1"/>
-          </a:effectRef>
-          <a:fontRef idx="minor">
-            <a:schemeClr val="lt1"/>
-          </a:fontRef>
-        </p:style>
-        <p:txBody>
-          <a:bodyPr rtlCol="0" anchor="ctr"/>
-          <a:lstStyle/>
-          <a:p>
-            <a:pPr algn="ctr"/>
-            <a:endParaRPr kumimoji="1" lang="zh-TW" altLang="en-US" sz="1400" i="1"/>
-          </a:p>
-        </p:txBody>
-      </p:sp>
-      <p:sp>
-        <p:nvSpPr>
-          <p:cNvPr id="16" name="文字方塊 15"/>
-          <p:cNvSpPr txBox="1"/>
-          <p:nvPr/>
-        </p:nvSpPr>
-        <p:spPr>
-          <a:xfrm>
-            <a:off x="3703140" y="1996642"/>
-            <a:ext cx="476358" cy="307777"/>
-          </a:xfrm>
-          <a:prstGeom prst="rect">
-            <a:avLst/>
-          </a:prstGeom>
-          <a:noFill/>
-        </p:spPr>
-        <p:txBody>
-          <a:bodyPr wrap="none" rtlCol="0">
-            <a:spAutoFit/>
-          </a:bodyPr>
-          <a:lstStyle/>
-          <a:p>
-            <a:r>
-              <a:rPr kumimoji="1" lang="en-US" altLang="zh-TW" sz="1400" i="1" dirty="0" smtClean="0">
-                <a:latin typeface="Arial"/>
-                <a:cs typeface="Arial"/>
-              </a:rPr>
-              <a:t>W</a:t>
-            </a:r>
-            <a:r>
-              <a:rPr kumimoji="1" lang="en-US" altLang="zh-TW" sz="1400" i="1" baseline="-25000" dirty="0" smtClean="0">
-                <a:latin typeface="Arial"/>
-                <a:cs typeface="Arial"/>
-              </a:rPr>
-              <a:t>H</a:t>
-            </a:r>
-            <a:endParaRPr kumimoji="1" lang="zh-TW" altLang="en-US" sz="1400" i="1" baseline="-25000" dirty="0">
-              <a:latin typeface="Arial"/>
-              <a:cs typeface="Arial"/>
-            </a:endParaRPr>
-          </a:p>
-        </p:txBody>
-      </p:sp>
-      <p:sp>
-        <p:nvSpPr>
-          <p:cNvPr id="17" name="文字方塊 16"/>
-          <p:cNvSpPr txBox="1"/>
-          <p:nvPr/>
-        </p:nvSpPr>
-        <p:spPr>
-          <a:xfrm>
-            <a:off x="4306869" y="1937451"/>
-            <a:ext cx="262424" cy="307777"/>
-          </a:xfrm>
-          <a:prstGeom prst="rect">
-            <a:avLst/>
-          </a:prstGeom>
-          <a:noFill/>
-        </p:spPr>
-        <p:txBody>
-          <a:bodyPr wrap="none" rtlCol="0">
-            <a:spAutoFit/>
-          </a:bodyPr>
-          <a:lstStyle/>
-          <a:p>
-            <a:r>
-              <a:rPr kumimoji="1" lang="en-US" altLang="zh-TW" sz="1400" dirty="0"/>
-              <a:t>x</a:t>
-            </a:r>
-            <a:endParaRPr kumimoji="1" lang="zh-TW" altLang="en-US" sz="1400" dirty="0"/>
-          </a:p>
-        </p:txBody>
-      </p:sp>
-      <p:sp>
-        <p:nvSpPr>
-          <p:cNvPr id="18" name="矩形 17"/>
-          <p:cNvSpPr/>
-          <p:nvPr/>
-        </p:nvSpPr>
-        <p:spPr>
-          <a:xfrm>
-            <a:off x="4678786" y="1786525"/>
-            <a:ext cx="1072938" cy="247870"/>
-          </a:xfrm>
-          <a:prstGeom prst="rect">
-            <a:avLst/>
-          </a:prstGeom>
-          <a:noFill/>
-          <a:ln>
-            <a:solidFill>
-              <a:schemeClr val="tx1"/>
-            </a:solidFill>
-          </a:ln>
-          <a:effectLst/>
-        </p:spPr>
-        <p:style>
-          <a:lnRef idx="1">
-            <a:schemeClr val="accent1"/>
-          </a:lnRef>
-          <a:fillRef idx="3">
-            <a:schemeClr val="accent1"/>
-          </a:fillRef>
-          <a:effectRef idx="2">
-            <a:schemeClr val="accent1"/>
-          </a:effectRef>
-          <a:fontRef idx="minor">
-            <a:schemeClr val="lt1"/>
-          </a:fontRef>
-        </p:style>
-        <p:txBody>
-          <a:bodyPr rtlCol="0" anchor="ctr"/>
-          <a:lstStyle/>
-          <a:p>
-            <a:pPr algn="ctr"/>
-            <a:endParaRPr kumimoji="1" lang="zh-TW" altLang="en-US" sz="1400" i="1"/>
-          </a:p>
-        </p:txBody>
-      </p:sp>
-      <p:sp>
-        <p:nvSpPr>
-          <p:cNvPr id="19" name="文字方塊 18"/>
-          <p:cNvSpPr txBox="1"/>
-          <p:nvPr/>
-        </p:nvSpPr>
-        <p:spPr>
-          <a:xfrm>
-            <a:off x="5026858" y="1726618"/>
-            <a:ext cx="436558" cy="307777"/>
-          </a:xfrm>
-          <a:prstGeom prst="rect">
-            <a:avLst/>
-          </a:prstGeom>
-          <a:noFill/>
-        </p:spPr>
-        <p:txBody>
-          <a:bodyPr wrap="none" rtlCol="0">
-            <a:spAutoFit/>
-          </a:bodyPr>
-          <a:lstStyle/>
-          <a:p>
-            <a:r>
-              <a:rPr kumimoji="1" lang="en-US" altLang="zh-TW" sz="1400" i="1" dirty="0" smtClean="0">
-                <a:latin typeface="Arial"/>
-                <a:cs typeface="Arial"/>
-              </a:rPr>
-              <a:t>H</a:t>
-            </a:r>
-            <a:r>
-              <a:rPr kumimoji="1" lang="en-US" altLang="zh-TW" sz="1400" i="1" baseline="-25000" dirty="0" smtClean="0">
-                <a:latin typeface="Arial"/>
-                <a:cs typeface="Arial"/>
-              </a:rPr>
-              <a:t>D</a:t>
-            </a:r>
-            <a:endParaRPr kumimoji="1" lang="zh-TW" altLang="en-US" sz="1400" i="1" baseline="-25000" dirty="0">
-              <a:latin typeface="Arial"/>
-              <a:cs typeface="Arial"/>
-            </a:endParaRPr>
-          </a:p>
-        </p:txBody>
-      </p:sp>
-      <p:sp>
-        <p:nvSpPr>
-          <p:cNvPr id="22" name="矩形 21"/>
-          <p:cNvSpPr/>
-          <p:nvPr/>
-        </p:nvSpPr>
-        <p:spPr>
-          <a:xfrm>
-            <a:off x="4678786" y="2032320"/>
-            <a:ext cx="1072938" cy="247870"/>
-          </a:xfrm>
-          <a:prstGeom prst="rect">
-            <a:avLst/>
-          </a:prstGeom>
-          <a:noFill/>
-          <a:ln>
-            <a:solidFill>
-              <a:schemeClr val="tx1"/>
-            </a:solidFill>
-          </a:ln>
-          <a:effectLst/>
-        </p:spPr>
-        <p:style>
-          <a:lnRef idx="1">
-            <a:schemeClr val="accent1"/>
-          </a:lnRef>
-          <a:fillRef idx="3">
-            <a:schemeClr val="accent1"/>
-          </a:fillRef>
-          <a:effectRef idx="2">
-            <a:schemeClr val="accent1"/>
-          </a:effectRef>
-          <a:fontRef idx="minor">
-            <a:schemeClr val="lt1"/>
-          </a:fontRef>
-        </p:style>
-        <p:txBody>
-          <a:bodyPr rtlCol="0" anchor="ctr"/>
-          <a:lstStyle/>
-          <a:p>
-            <a:pPr algn="ctr"/>
-            <a:endParaRPr kumimoji="1" lang="zh-TW" altLang="en-US" sz="1400" i="1"/>
-          </a:p>
-        </p:txBody>
-      </p:sp>
-      <p:sp>
-        <p:nvSpPr>
-          <p:cNvPr id="23" name="文字方塊 22"/>
-          <p:cNvSpPr txBox="1"/>
-          <p:nvPr/>
-        </p:nvSpPr>
-        <p:spPr>
-          <a:xfrm>
-            <a:off x="5026858" y="2001611"/>
-            <a:ext cx="436558" cy="307777"/>
-          </a:xfrm>
-          <a:prstGeom prst="rect">
-            <a:avLst/>
-          </a:prstGeom>
-          <a:noFill/>
-        </p:spPr>
-        <p:txBody>
-          <a:bodyPr wrap="none" rtlCol="0">
-            <a:spAutoFit/>
-          </a:bodyPr>
-          <a:lstStyle/>
-          <a:p>
-            <a:r>
-              <a:rPr kumimoji="1" lang="en-US" altLang="zh-TW" sz="1400" i="1" dirty="0" smtClean="0">
-                <a:latin typeface="Arial"/>
-                <a:cs typeface="Arial"/>
-              </a:rPr>
-              <a:t>H</a:t>
-            </a:r>
-            <a:r>
-              <a:rPr kumimoji="1" lang="en-US" altLang="zh-TW" sz="1400" i="1" baseline="-25000" dirty="0" smtClean="0">
-                <a:latin typeface="Arial"/>
-                <a:cs typeface="Arial"/>
-              </a:rPr>
-              <a:t>H</a:t>
-            </a:r>
-            <a:endParaRPr kumimoji="1" lang="zh-TW" altLang="en-US" sz="1400" i="1" baseline="-25000" dirty="0">
-              <a:latin typeface="Arial"/>
-              <a:cs typeface="Arial"/>
-            </a:endParaRPr>
-          </a:p>
-        </p:txBody>
-      </p:sp>
-      <p:sp>
-        <p:nvSpPr>
-          <p:cNvPr id="25" name="左大括弧 24"/>
-          <p:cNvSpPr/>
-          <p:nvPr/>
-        </p:nvSpPr>
-        <p:spPr>
-          <a:xfrm rot="5400000">
-            <a:off x="3657038" y="1254435"/>
-            <a:ext cx="120697" cy="823670"/>
-          </a:xfrm>
-          <a:prstGeom prst="leftBrace">
-            <a:avLst/>
-          </a:prstGeom>
-          <a:ln>
-            <a:solidFill>
-              <a:schemeClr val="tx1"/>
-            </a:solidFill>
-          </a:ln>
-          <a:effectLst/>
-        </p:spPr>
-        <p:style>
-          <a:lnRef idx="2">
-            <a:schemeClr val="accent1"/>
-          </a:lnRef>
-          <a:fillRef idx="0">
-            <a:schemeClr val="accent1"/>
-          </a:fillRef>
-          <a:effectRef idx="1">
-            <a:schemeClr val="accent1"/>
-          </a:effectRef>
-          <a:fontRef idx="minor">
-            <a:schemeClr val="tx1"/>
-          </a:fontRef>
-        </p:style>
-        <p:txBody>
-          <a:bodyPr rtlCol="0" anchor="ctr"/>
-          <a:lstStyle/>
-          <a:p>
-            <a:pPr algn="ctr"/>
-            <a:endParaRPr kumimoji="1" lang="zh-TW" altLang="en-US" sz="1400"/>
-          </a:p>
-        </p:txBody>
-      </p:sp>
-      <p:sp>
-        <p:nvSpPr>
-          <p:cNvPr id="26" name="左大括弧 25"/>
-          <p:cNvSpPr/>
-          <p:nvPr/>
-        </p:nvSpPr>
-        <p:spPr>
-          <a:xfrm rot="5400000">
-            <a:off x="5171533" y="1146427"/>
-            <a:ext cx="120697" cy="1039684"/>
-          </a:xfrm>
-          <a:prstGeom prst="leftBrace">
-            <a:avLst/>
-          </a:prstGeom>
-          <a:ln>
-            <a:solidFill>
-              <a:schemeClr val="tx1"/>
-            </a:solidFill>
-          </a:ln>
-          <a:effectLst/>
-        </p:spPr>
-        <p:style>
-          <a:lnRef idx="2">
-            <a:schemeClr val="accent1"/>
-          </a:lnRef>
-          <a:fillRef idx="0">
-            <a:schemeClr val="accent1"/>
-          </a:fillRef>
-          <a:effectRef idx="1">
-            <a:schemeClr val="accent1"/>
-          </a:effectRef>
-          <a:fontRef idx="minor">
-            <a:schemeClr val="tx1"/>
-          </a:fontRef>
-        </p:style>
-        <p:txBody>
-          <a:bodyPr rtlCol="0" anchor="ctr"/>
-          <a:lstStyle/>
-          <a:p>
-            <a:pPr algn="ctr"/>
-            <a:endParaRPr kumimoji="1" lang="zh-TW" altLang="en-US" sz="1400"/>
-          </a:p>
-        </p:txBody>
-      </p:sp>
-      <p:sp>
-        <p:nvSpPr>
-          <p:cNvPr id="27" name="文字方塊 26"/>
-          <p:cNvSpPr txBox="1"/>
-          <p:nvPr/>
-        </p:nvSpPr>
-        <p:spPr>
-          <a:xfrm>
-            <a:off x="3547928" y="1360751"/>
-            <a:ext cx="398011" cy="307777"/>
-          </a:xfrm>
-          <a:prstGeom prst="rect">
-            <a:avLst/>
-          </a:prstGeom>
-          <a:noFill/>
-        </p:spPr>
-        <p:txBody>
-          <a:bodyPr wrap="none" rtlCol="0">
-            <a:spAutoFit/>
-          </a:bodyPr>
-          <a:lstStyle/>
-          <a:p>
-            <a:r>
-              <a:rPr kumimoji="1" lang="en-US" altLang="zh-TW" sz="1400" i="1" dirty="0" smtClean="0">
-                <a:latin typeface="Arial"/>
-                <a:cs typeface="Arial"/>
-              </a:rPr>
-              <a:t>W</a:t>
-            </a:r>
-            <a:endParaRPr kumimoji="1" lang="zh-TW" altLang="en-US" sz="1400" i="1" baseline="-25000" dirty="0">
-              <a:latin typeface="Arial"/>
-              <a:cs typeface="Arial"/>
-            </a:endParaRPr>
-          </a:p>
-        </p:txBody>
-      </p:sp>
-      <p:sp>
-        <p:nvSpPr>
-          <p:cNvPr id="28" name="文字方塊 27"/>
-          <p:cNvSpPr txBox="1"/>
-          <p:nvPr/>
-        </p:nvSpPr>
-        <p:spPr>
-          <a:xfrm>
-            <a:off x="5085250" y="1375355"/>
-            <a:ext cx="350267" cy="307777"/>
-          </a:xfrm>
-          <a:prstGeom prst="rect">
-            <a:avLst/>
-          </a:prstGeom>
-          <a:noFill/>
-        </p:spPr>
-        <p:txBody>
-          <a:bodyPr wrap="none" rtlCol="0">
-            <a:spAutoFit/>
-          </a:bodyPr>
-          <a:lstStyle/>
-          <a:p>
-            <a:r>
-              <a:rPr kumimoji="1" lang="en-US" altLang="zh-TW" sz="1400" i="1" dirty="0" smtClean="0">
-                <a:latin typeface="Arial"/>
-                <a:cs typeface="Arial"/>
-              </a:rPr>
-              <a:t>H</a:t>
-            </a:r>
-            <a:endParaRPr kumimoji="1" lang="zh-TW" altLang="en-US" sz="1400" i="1" baseline="-25000" dirty="0">
-              <a:latin typeface="Arial"/>
-              <a:cs typeface="Arial"/>
-            </a:endParaRPr>
-          </a:p>
-        </p:txBody>
-      </p:sp>
     </p:spTree>
     <p:extLst>
       <p:ext uri="{BB962C8B-B14F-4D97-AF65-F5344CB8AC3E}">
